--- a/20250418イノベーションマネジメント様講座資料.pptx
+++ b/20250418イノベーションマネジメント様講座資料.pptx
@@ -5,10 +5,10 @@
     <p:sldMasterId id="2147483648" r:id="rId4"/>
   </p:sldMasterIdLst>
   <p:notesMasterIdLst>
-    <p:notesMasterId r:id="rId20"/>
+    <p:notesMasterId r:id="rId22"/>
   </p:notesMasterIdLst>
   <p:handoutMasterIdLst>
-    <p:handoutMasterId r:id="rId21"/>
+    <p:handoutMasterId r:id="rId23"/>
   </p:handoutMasterIdLst>
   <p:sldIdLst>
     <p:sldId id="2007" r:id="rId5"/>
@@ -22,10 +22,12 @@
     <p:sldId id="2558" r:id="rId13"/>
     <p:sldId id="2559" r:id="rId14"/>
     <p:sldId id="2554" r:id="rId15"/>
-    <p:sldId id="2560" r:id="rId16"/>
-    <p:sldId id="2511" r:id="rId17"/>
-    <p:sldId id="2555" r:id="rId18"/>
-    <p:sldId id="2561" r:id="rId19"/>
+    <p:sldId id="2511" r:id="rId16"/>
+    <p:sldId id="2563" r:id="rId17"/>
+    <p:sldId id="2564" r:id="rId18"/>
+    <p:sldId id="2562" r:id="rId19"/>
+    <p:sldId id="2555" r:id="rId20"/>
+    <p:sldId id="2561" r:id="rId21"/>
   </p:sldIdLst>
   <p:sldSz cx="12192000" cy="6858000"/>
   <p:notesSz cx="6888163" cy="10020300"/>
@@ -267,7 +269,7 @@
           <a:p>
             <a:fld id="{3A089510-536A-DD44-92E4-B2DC30CD140D}" type="datetimeFigureOut">
               <a:rPr kumimoji="1" lang="ja-JP" altLang="en-US" smtClean="0"/>
-              <a:t>2025/4/11</a:t>
+              <a:t>2025/4/15</a:t>
             </a:fld>
             <a:endParaRPr kumimoji="1" lang="ja-JP" altLang="en-US"/>
           </a:p>
@@ -433,7 +435,7 @@
           <a:p>
             <a:fld id="{EFAEC2CE-88BD-8D4C-8283-9E9B5B3A950B}" type="datetimeFigureOut">
               <a:rPr kumimoji="1" lang="ja-JP" altLang="en-US" smtClean="0"/>
-              <a:t>2025/4/11</a:t>
+              <a:t>2025/4/15</a:t>
             </a:fld>
             <a:endParaRPr kumimoji="1" lang="ja-JP" altLang="en-US"/>
           </a:p>
@@ -1084,7 +1086,7 @@
           <a:effectLst/>
           <a:extLst>
             <a:ext uri="{91240B29-F687-4f45-9708-019B960494DF}">
-              <a14:hiddenLine xmlns="" xmlns:a14="http://schemas.microsoft.com/office/drawing/2010/main" w="12700" algn="ctr">
+              <a14:hiddenLine xmlns:a14="http://schemas.microsoft.com/office/drawing/2010/main" xmlns="" w="12700" algn="ctr">
                 <a:solidFill>
                   <a:schemeClr val="tx1"/>
                 </a:solidFill>
@@ -1094,7 +1096,7 @@
               </a14:hiddenLine>
             </a:ext>
             <a:ext uri="{AF507438-7753-43e0-B8FC-AC1667EBCBE1}">
-              <a14:hiddenEffects xmlns="" xmlns:a14="http://schemas.microsoft.com/office/drawing/2010/main">
+              <a14:hiddenEffects xmlns:a14="http://schemas.microsoft.com/office/drawing/2010/main" xmlns="">
                 <a:effectLst>
                   <a:outerShdw dist="35921" dir="2700000" algn="ctr" rotWithShape="0">
                     <a:schemeClr val="bg2"/>
@@ -1436,7 +1438,7 @@
           <a:effectLst/>
           <a:extLst>
             <a:ext uri="{91240B29-F687-4f45-9708-019B960494DF}">
-              <a14:hiddenLine xmlns="" xmlns:a14="http://schemas.microsoft.com/office/drawing/2010/main" w="12700" algn="ctr">
+              <a14:hiddenLine xmlns:a14="http://schemas.microsoft.com/office/drawing/2010/main" xmlns="" w="12700" algn="ctr">
                 <a:solidFill>
                   <a:schemeClr val="tx1"/>
                 </a:solidFill>
@@ -1446,7 +1448,7 @@
               </a14:hiddenLine>
             </a:ext>
             <a:ext uri="{AF507438-7753-43e0-B8FC-AC1667EBCBE1}">
-              <a14:hiddenEffects xmlns="" xmlns:a14="http://schemas.microsoft.com/office/drawing/2010/main">
+              <a14:hiddenEffects xmlns:a14="http://schemas.microsoft.com/office/drawing/2010/main" xmlns="">
                 <a:effectLst>
                   <a:outerShdw dist="35921" dir="2700000" algn="ctr" rotWithShape="0">
                     <a:schemeClr val="bg2"/>
@@ -8823,18 +8825,13 @@
             </a:pPr>
             <a:r>
               <a:rPr lang="en-US" altLang="ja-JP" sz="1100" dirty="0"/>
-              <a:t> .html</a:t>
-            </a:r>
-          </a:p>
-          <a:p>
-            <a:pPr>
-              <a:buFont typeface="Arial" panose="020B0604020202020204" pitchFamily="34" charset="0"/>
-              <a:buChar char="•"/>
-            </a:pPr>
-            <a:r>
-              <a:rPr lang="en-US" altLang="ja-JP" sz="1100" dirty="0"/>
-              <a:t> .html</a:t>
-            </a:r>
+              <a:t> </a:t>
+            </a:r>
+            <a:r>
+              <a:rPr lang="en-US" altLang="ja-JP" sz="1100"/>
+              <a:t>.html</a:t>
+            </a:r>
+            <a:endParaRPr lang="en-US" altLang="ja-JP" sz="1100" dirty="0"/>
           </a:p>
           <a:p>
             <a:pPr>
@@ -8970,6 +8967,255 @@
           </a:prstGeom>
         </p:spPr>
       </p:pic>
+      <p:sp>
+        <p:nvSpPr>
+          <p:cNvPr id="8" name="吹き出し: 角を丸めた四角形 7">
+            <a:extLst>
+              <a:ext uri="{FF2B5EF4-FFF2-40B4-BE49-F238E27FC236}">
+                <a16:creationId xmlns:a16="http://schemas.microsoft.com/office/drawing/2014/main" id="{5F7DCB5A-99EE-C016-2542-0990E786EFED}"/>
+              </a:ext>
+            </a:extLst>
+          </p:cNvPr>
+          <p:cNvSpPr/>
+          <p:nvPr/>
+        </p:nvSpPr>
+        <p:spPr>
+          <a:xfrm>
+            <a:off x="7850755" y="3889812"/>
+            <a:ext cx="1302310" cy="468851"/>
+          </a:xfrm>
+          <a:prstGeom prst="wedgeRoundRectCallout">
+            <a:avLst>
+              <a:gd name="adj1" fmla="val -69402"/>
+              <a:gd name="adj2" fmla="val -44282"/>
+              <a:gd name="adj3" fmla="val 16667"/>
+            </a:avLst>
+          </a:prstGeom>
+          <a:ln w="9525"/>
+        </p:spPr>
+        <p:style>
+          <a:lnRef idx="2">
+            <a:schemeClr val="dk1"/>
+          </a:lnRef>
+          <a:fillRef idx="1">
+            <a:schemeClr val="lt1"/>
+          </a:fillRef>
+          <a:effectRef idx="0">
+            <a:schemeClr val="dk1"/>
+          </a:effectRef>
+          <a:fontRef idx="minor">
+            <a:schemeClr val="dk1"/>
+          </a:fontRef>
+        </p:style>
+        <p:txBody>
+          <a:bodyPr rtlCol="0" anchor="ctr"/>
+          <a:lstStyle/>
+          <a:p>
+            <a:pPr algn="ctr"/>
+            <a:r>
+              <a:rPr kumimoji="1" lang="ja-JP" altLang="en-US" sz="900" dirty="0">
+                <a:solidFill>
+                  <a:schemeClr val="dk1"/>
+                </a:solidFill>
+              </a:rPr>
+              <a:t>チャンクの取得数が</a:t>
+            </a:r>
+            <a:endParaRPr kumimoji="1" lang="en-US" altLang="ja-JP" sz="900" dirty="0">
+              <a:solidFill>
+                <a:schemeClr val="dk1"/>
+              </a:solidFill>
+            </a:endParaRPr>
+          </a:p>
+          <a:p>
+            <a:pPr algn="ctr"/>
+            <a:r>
+              <a:rPr lang="ja-JP" altLang="en-US" sz="900" dirty="0"/>
+              <a:t>調整可能</a:t>
+            </a:r>
+            <a:endParaRPr kumimoji="1" lang="ja-JP" altLang="en-US" sz="900" dirty="0">
+              <a:solidFill>
+                <a:schemeClr val="dk1"/>
+              </a:solidFill>
+            </a:endParaRPr>
+          </a:p>
+        </p:txBody>
+      </p:sp>
+      <p:sp>
+        <p:nvSpPr>
+          <p:cNvPr id="22" name="吹き出し: 角を丸めた四角形 21">
+            <a:extLst>
+              <a:ext uri="{FF2B5EF4-FFF2-40B4-BE49-F238E27FC236}">
+                <a16:creationId xmlns:a16="http://schemas.microsoft.com/office/drawing/2014/main" id="{4E91D6E7-31AF-E37C-9D8D-63106F3F15F9}"/>
+              </a:ext>
+            </a:extLst>
+          </p:cNvPr>
+          <p:cNvSpPr/>
+          <p:nvPr/>
+        </p:nvSpPr>
+        <p:spPr>
+          <a:xfrm>
+            <a:off x="3123078" y="3226405"/>
+            <a:ext cx="1217931" cy="590218"/>
+          </a:xfrm>
+          <a:prstGeom prst="wedgeRoundRectCallout">
+            <a:avLst>
+              <a:gd name="adj1" fmla="val 63688"/>
+              <a:gd name="adj2" fmla="val 33800"/>
+              <a:gd name="adj3" fmla="val 16667"/>
+            </a:avLst>
+          </a:prstGeom>
+          <a:ln w="9525"/>
+        </p:spPr>
+        <p:style>
+          <a:lnRef idx="2">
+            <a:schemeClr val="dk1"/>
+          </a:lnRef>
+          <a:fillRef idx="1">
+            <a:schemeClr val="lt1"/>
+          </a:fillRef>
+          <a:effectRef idx="0">
+            <a:schemeClr val="dk1"/>
+          </a:effectRef>
+          <a:fontRef idx="minor">
+            <a:schemeClr val="dk1"/>
+          </a:fontRef>
+        </p:style>
+        <p:txBody>
+          <a:bodyPr rtlCol="0" anchor="ctr"/>
+          <a:lstStyle/>
+          <a:p>
+            <a:pPr algn="ctr"/>
+            <a:r>
+              <a:rPr lang="ja-JP" altLang="en-US" sz="900" dirty="0"/>
+              <a:t>環境変数の設定と</a:t>
+            </a:r>
+            <a:endParaRPr lang="en-US" altLang="ja-JP" sz="900" dirty="0"/>
+          </a:p>
+          <a:p>
+            <a:pPr algn="ctr"/>
+            <a:r>
+              <a:rPr lang="ja-JP" altLang="en-US" sz="900" dirty="0"/>
+              <a:t>ワークフロー作成</a:t>
+            </a:r>
+            <a:endParaRPr lang="en-US" altLang="ja-JP" sz="900" dirty="0"/>
+          </a:p>
+          <a:p>
+            <a:pPr algn="ctr"/>
+            <a:r>
+              <a:rPr lang="ja-JP" altLang="en-US" sz="900" dirty="0"/>
+              <a:t>必要</a:t>
+            </a:r>
+            <a:endParaRPr kumimoji="1" lang="ja-JP" altLang="en-US" sz="900" dirty="0">
+              <a:solidFill>
+                <a:schemeClr val="dk1"/>
+              </a:solidFill>
+            </a:endParaRPr>
+          </a:p>
+        </p:txBody>
+      </p:sp>
+      <p:sp>
+        <p:nvSpPr>
+          <p:cNvPr id="26" name="正方形/長方形 25">
+            <a:extLst>
+              <a:ext uri="{FF2B5EF4-FFF2-40B4-BE49-F238E27FC236}">
+                <a16:creationId xmlns:a16="http://schemas.microsoft.com/office/drawing/2014/main" id="{19C90D57-B64C-7ACC-F8C2-64BCFDE67F90}"/>
+              </a:ext>
+            </a:extLst>
+          </p:cNvPr>
+          <p:cNvSpPr/>
+          <p:nvPr/>
+        </p:nvSpPr>
+        <p:spPr>
+          <a:xfrm>
+            <a:off x="8247529" y="350235"/>
+            <a:ext cx="3636749" cy="388991"/>
+          </a:xfrm>
+          <a:prstGeom prst="rect">
+            <a:avLst/>
+          </a:prstGeom>
+          <a:solidFill>
+            <a:srgbClr val="FFFF00"/>
+          </a:solidFill>
+          <a:ln w="19050">
+            <a:solidFill>
+              <a:srgbClr val="C00000"/>
+            </a:solidFill>
+          </a:ln>
+        </p:spPr>
+        <p:style>
+          <a:lnRef idx="2">
+            <a:schemeClr val="dk1"/>
+          </a:lnRef>
+          <a:fillRef idx="1">
+            <a:schemeClr val="lt1"/>
+          </a:fillRef>
+          <a:effectRef idx="0">
+            <a:schemeClr val="dk1"/>
+          </a:effectRef>
+          <a:fontRef idx="minor">
+            <a:schemeClr val="dk1"/>
+          </a:fontRef>
+        </p:style>
+        <p:txBody>
+          <a:bodyPr rtlCol="0" anchor="ctr"/>
+          <a:lstStyle/>
+          <a:p>
+            <a:r>
+              <a:rPr kumimoji="1" lang="en-US" altLang="ja-JP" sz="900" dirty="0" err="1">
+                <a:solidFill>
+                  <a:schemeClr val="dk1"/>
+                </a:solidFill>
+              </a:rPr>
+              <a:t>Dify</a:t>
+            </a:r>
+            <a:r>
+              <a:rPr kumimoji="1" lang="ja-JP" altLang="en-US" sz="900" dirty="0">
+                <a:solidFill>
+                  <a:schemeClr val="dk1"/>
+                </a:solidFill>
+              </a:rPr>
+              <a:t>の</a:t>
+            </a:r>
+            <a:r>
+              <a:rPr kumimoji="1" lang="en-US" altLang="ja-JP" sz="900" dirty="0">
+                <a:solidFill>
+                  <a:schemeClr val="dk1"/>
+                </a:solidFill>
+              </a:rPr>
+              <a:t>knowledge</a:t>
+            </a:r>
+            <a:r>
+              <a:rPr kumimoji="1" lang="ja-JP" altLang="en-US" sz="900" dirty="0">
+                <a:solidFill>
+                  <a:schemeClr val="dk1"/>
+                </a:solidFill>
+              </a:rPr>
+              <a:t>ベースについては公式ドキュメントを参照のこと</a:t>
+            </a:r>
+            <a:endParaRPr kumimoji="1" lang="en-US" altLang="ja-JP" sz="900" dirty="0">
+              <a:solidFill>
+                <a:schemeClr val="dk1"/>
+              </a:solidFill>
+            </a:endParaRPr>
+          </a:p>
+          <a:p>
+            <a:r>
+              <a:rPr kumimoji="1" lang="en-US" altLang="ja-JP" sz="900" dirty="0">
+                <a:solidFill>
+                  <a:schemeClr val="dk1"/>
+                </a:solidFill>
+                <a:hlinkClick r:id="rId14"/>
+              </a:rPr>
+              <a:t>https://docs.dify.ai/guides/knowledge-base</a:t>
+            </a:r>
+            <a:endParaRPr kumimoji="1" lang="ja-JP" altLang="en-US" sz="900" dirty="0">
+              <a:solidFill>
+                <a:schemeClr val="dk1"/>
+              </a:solidFill>
+            </a:endParaRPr>
+          </a:p>
+        </p:txBody>
+      </p:sp>
     </p:spTree>
     <p:extLst>
       <p:ext uri="{BB962C8B-B14F-4D97-AF65-F5344CB8AC3E}">
@@ -8991,7 +9237,1838 @@
         <p:cNvPr id="1" name="">
           <a:extLst>
             <a:ext uri="{FF2B5EF4-FFF2-40B4-BE49-F238E27FC236}">
-              <a16:creationId xmlns:a16="http://schemas.microsoft.com/office/drawing/2014/main" id="{A54B2262-3249-E8AD-7D0A-3F3452AFD448}"/>
+              <a16:creationId xmlns:a16="http://schemas.microsoft.com/office/drawing/2014/main" id="{B55D85B0-0B69-AC40-614D-DF4755E2F267}"/>
+            </a:ext>
+          </a:extLst>
+        </p:cNvPr>
+        <p:cNvGrpSpPr/>
+        <p:nvPr/>
+      </p:nvGrpSpPr>
+      <p:grpSpPr>
+        <a:xfrm>
+          <a:off x="0" y="0"/>
+          <a:ext cx="0" cy="0"/>
+          <a:chOff x="0" y="0"/>
+          <a:chExt cx="0" cy="0"/>
+        </a:xfrm>
+      </p:grpSpPr>
+      <p:sp>
+        <p:nvSpPr>
+          <p:cNvPr id="16" name="四角形: 角を丸くする 15">
+            <a:extLst>
+              <a:ext uri="{FF2B5EF4-FFF2-40B4-BE49-F238E27FC236}">
+                <a16:creationId xmlns:a16="http://schemas.microsoft.com/office/drawing/2014/main" id="{DBA700EB-97B9-F356-1578-ED4D13F31D05}"/>
+              </a:ext>
+            </a:extLst>
+          </p:cNvPr>
+          <p:cNvSpPr/>
+          <p:nvPr/>
+        </p:nvSpPr>
+        <p:spPr>
+          <a:xfrm>
+            <a:off x="289069" y="911364"/>
+            <a:ext cx="11710220" cy="5511507"/>
+          </a:xfrm>
+          <a:prstGeom prst="roundRect">
+            <a:avLst>
+              <a:gd name="adj" fmla="val 2121"/>
+            </a:avLst>
+          </a:prstGeom>
+          <a:solidFill>
+            <a:schemeClr val="accent1">
+              <a:lumMod val="20000"/>
+              <a:lumOff val="80000"/>
+            </a:schemeClr>
+          </a:solidFill>
+          <a:ln w="9525">
+            <a:noFill/>
+          </a:ln>
+        </p:spPr>
+        <p:style>
+          <a:lnRef idx="2">
+            <a:schemeClr val="dk1"/>
+          </a:lnRef>
+          <a:fillRef idx="1">
+            <a:schemeClr val="lt1"/>
+          </a:fillRef>
+          <a:effectRef idx="0">
+            <a:schemeClr val="dk1"/>
+          </a:effectRef>
+          <a:fontRef idx="minor">
+            <a:schemeClr val="dk1"/>
+          </a:fontRef>
+        </p:style>
+        <p:txBody>
+          <a:bodyPr rtlCol="0" anchor="ctr"/>
+          <a:lstStyle/>
+          <a:p>
+            <a:pPr algn="ctr"/>
+            <a:endParaRPr kumimoji="1" lang="ja-JP" altLang="en-US" dirty="0">
+              <a:solidFill>
+                <a:schemeClr val="dk1"/>
+              </a:solidFill>
+            </a:endParaRPr>
+          </a:p>
+        </p:txBody>
+      </p:sp>
+      <p:sp>
+        <p:nvSpPr>
+          <p:cNvPr id="6" name="タイトル 5">
+            <a:extLst>
+              <a:ext uri="{FF2B5EF4-FFF2-40B4-BE49-F238E27FC236}">
+                <a16:creationId xmlns:a16="http://schemas.microsoft.com/office/drawing/2014/main" id="{D7E565B1-C09A-EA40-2866-1DEF411F0ACD}"/>
+              </a:ext>
+            </a:extLst>
+          </p:cNvPr>
+          <p:cNvSpPr>
+            <a:spLocks noGrp="1"/>
+          </p:cNvSpPr>
+          <p:nvPr>
+            <p:ph type="title"/>
+          </p:nvPr>
+        </p:nvSpPr>
+        <p:spPr/>
+        <p:txBody>
+          <a:bodyPr>
+            <a:normAutofit fontScale="90000"/>
+          </a:bodyPr>
+          <a:lstStyle/>
+          <a:p>
+            <a:r>
+              <a:rPr lang="ja-JP" altLang="en-US" dirty="0"/>
+              <a:t>ベクトル検索で取得するデータについて </a:t>
+            </a:r>
+            <a:r>
+              <a:rPr lang="en-US" altLang="ja-JP" dirty="0"/>
+              <a:t>–</a:t>
+            </a:r>
+            <a:r>
+              <a:rPr lang="ja-JP" altLang="en-US" dirty="0"/>
+              <a:t> </a:t>
+            </a:r>
+            <a:r>
+              <a:rPr lang="en-US" altLang="ja-JP" dirty="0"/>
+              <a:t>Long</a:t>
+            </a:r>
+            <a:r>
+              <a:rPr lang="ja-JP" altLang="en-US" dirty="0"/>
+              <a:t> </a:t>
+            </a:r>
+            <a:r>
+              <a:rPr lang="en-US" altLang="ja-JP" dirty="0"/>
+              <a:t>Context</a:t>
+            </a:r>
+            <a:endParaRPr lang="ja-JP" altLang="en-US" dirty="0"/>
+          </a:p>
+        </p:txBody>
+      </p:sp>
+      <p:sp>
+        <p:nvSpPr>
+          <p:cNvPr id="4" name="スライド番号プレースホルダー 3">
+            <a:extLst>
+              <a:ext uri="{FF2B5EF4-FFF2-40B4-BE49-F238E27FC236}">
+                <a16:creationId xmlns:a16="http://schemas.microsoft.com/office/drawing/2014/main" id="{8E5960DD-E810-D205-D3C9-C20A89641E0A}"/>
+              </a:ext>
+            </a:extLst>
+          </p:cNvPr>
+          <p:cNvSpPr>
+            <a:spLocks noGrp="1"/>
+          </p:cNvSpPr>
+          <p:nvPr>
+            <p:ph type="sldNum" sz="quarter" idx="12"/>
+          </p:nvPr>
+        </p:nvSpPr>
+        <p:spPr/>
+        <p:txBody>
+          <a:bodyPr/>
+          <a:lstStyle/>
+          <a:p>
+            <a:fld id="{0AF7E18D-A281-EF4E-83EF-D7811667EA6C}" type="slidenum">
+              <a:rPr kumimoji="1" lang="ja-JP" altLang="en-US" smtClean="0"/>
+              <a:t>12</a:t>
+            </a:fld>
+            <a:endParaRPr kumimoji="1" lang="ja-JP" altLang="en-US"/>
+          </a:p>
+        </p:txBody>
+      </p:sp>
+      <p:sp>
+        <p:nvSpPr>
+          <p:cNvPr id="22" name="コンテンツ プレースホルダー 6">
+            <a:extLst>
+              <a:ext uri="{FF2B5EF4-FFF2-40B4-BE49-F238E27FC236}">
+                <a16:creationId xmlns:a16="http://schemas.microsoft.com/office/drawing/2014/main" id="{9A5A9CB1-50A1-6DCE-167B-F069E1650BF1}"/>
+              </a:ext>
+            </a:extLst>
+          </p:cNvPr>
+          <p:cNvSpPr>
+            <a:spLocks noGrp="1"/>
+          </p:cNvSpPr>
+          <p:nvPr>
+            <p:ph sz="quarter" idx="13"/>
+          </p:nvPr>
+        </p:nvSpPr>
+        <p:spPr>
+          <a:xfrm>
+            <a:off x="345404" y="1038886"/>
+            <a:ext cx="11522604" cy="2394502"/>
+          </a:xfrm>
+        </p:spPr>
+        <p:txBody>
+          <a:bodyPr/>
+          <a:lstStyle/>
+          <a:p>
+            <a:r>
+              <a:rPr lang="ja-JP" altLang="en-US" sz="1800" b="1" dirty="0"/>
+              <a:t>文書自体（文書内の全テキスト）を取得する場合</a:t>
+            </a:r>
+            <a:endParaRPr lang="en-US" altLang="ja-JP" sz="1800" b="1" dirty="0"/>
+          </a:p>
+          <a:p>
+            <a:pPr marL="171450" indent="-171450">
+              <a:buFont typeface="Arial" panose="020B0604020202020204" pitchFamily="34" charset="0"/>
+              <a:buChar char="•"/>
+            </a:pPr>
+            <a:r>
+              <a:rPr lang="en-US" altLang="ja-JP" sz="1200" dirty="0">
+                <a:solidFill>
+                  <a:schemeClr val="tx1"/>
+                </a:solidFill>
+                <a:latin typeface="+mn-lt"/>
+              </a:rPr>
+              <a:t>docker </a:t>
+            </a:r>
+            <a:r>
+              <a:rPr lang="ja-JP" altLang="en-US" sz="1200" dirty="0">
+                <a:solidFill>
+                  <a:schemeClr val="tx1"/>
+                </a:solidFill>
+                <a:latin typeface="+mn-lt"/>
+              </a:rPr>
+              <a:t>の </a:t>
+            </a:r>
+            <a:r>
+              <a:rPr lang="en-US" altLang="ja-JP" sz="1200" dirty="0">
+                <a:solidFill>
+                  <a:schemeClr val="tx1"/>
+                </a:solidFill>
+                <a:latin typeface="+mn-lt"/>
+              </a:rPr>
+              <a:t>.env </a:t>
+            </a:r>
+            <a:r>
+              <a:rPr lang="ja-JP" altLang="en-US" sz="1200" dirty="0">
+                <a:solidFill>
+                  <a:schemeClr val="tx1"/>
+                </a:solidFill>
+                <a:latin typeface="+mn-lt"/>
+              </a:rPr>
+              <a:t>ファイルを変更し、</a:t>
+            </a:r>
+            <a:r>
+              <a:rPr lang="en-US" altLang="ja-JP" sz="1200" dirty="0" err="1">
+                <a:solidFill>
+                  <a:schemeClr val="tx1"/>
+                </a:solidFill>
+                <a:latin typeface="+mn-lt"/>
+              </a:rPr>
+              <a:t>Dify</a:t>
+            </a:r>
+            <a:r>
+              <a:rPr lang="en-US" altLang="ja-JP" sz="1200" dirty="0">
+                <a:solidFill>
+                  <a:schemeClr val="tx1"/>
+                </a:solidFill>
+                <a:latin typeface="+mn-lt"/>
+              </a:rPr>
+              <a:t> </a:t>
+            </a:r>
+            <a:r>
+              <a:rPr lang="ja-JP" altLang="en-US" sz="1200" dirty="0">
+                <a:solidFill>
+                  <a:schemeClr val="tx1"/>
+                </a:solidFill>
+                <a:latin typeface="+mn-lt"/>
+              </a:rPr>
+              <a:t>における文字数上限等の設定が必要</a:t>
+            </a:r>
+            <a:endParaRPr lang="en-US" altLang="ja-JP" sz="1200" dirty="0">
+              <a:solidFill>
+                <a:schemeClr val="tx1"/>
+              </a:solidFill>
+              <a:latin typeface="+mn-lt"/>
+            </a:endParaRPr>
+          </a:p>
+          <a:p>
+            <a:pPr marL="171450" indent="-171450">
+              <a:buFont typeface="Arial" panose="020B0604020202020204" pitchFamily="34" charset="0"/>
+              <a:buChar char="•"/>
+            </a:pPr>
+            <a:r>
+              <a:rPr lang="ja-JP" altLang="en-US" sz="1200" dirty="0">
+                <a:solidFill>
+                  <a:schemeClr val="tx1"/>
+                </a:solidFill>
+                <a:latin typeface="+mn-lt"/>
+              </a:rPr>
+              <a:t>指定したドキュメントの全チャンクを取得し、テキストを結合する処理を記述したワークフローの作成が必要</a:t>
+            </a:r>
+            <a:endParaRPr lang="en-US" altLang="ja-JP" sz="1200" dirty="0">
+              <a:solidFill>
+                <a:schemeClr val="tx1"/>
+              </a:solidFill>
+              <a:latin typeface="+mn-lt"/>
+            </a:endParaRPr>
+          </a:p>
+          <a:p>
+            <a:endParaRPr lang="en-US" altLang="ja-JP" sz="1200" dirty="0">
+              <a:solidFill>
+                <a:schemeClr val="tx1"/>
+              </a:solidFill>
+              <a:latin typeface="+mn-lt"/>
+            </a:endParaRPr>
+          </a:p>
+          <a:p>
+            <a:r>
+              <a:rPr lang="ja-JP" altLang="en-US" sz="1200" b="1" dirty="0">
+                <a:solidFill>
+                  <a:schemeClr val="tx1"/>
+                </a:solidFill>
+                <a:latin typeface="+mn-lt"/>
+              </a:rPr>
+              <a:t>利点</a:t>
+            </a:r>
+          </a:p>
+          <a:p>
+            <a:pPr marL="171450" indent="-171450">
+              <a:buFont typeface="Arial" panose="020B0604020202020204" pitchFamily="34" charset="0"/>
+              <a:buChar char="•"/>
+            </a:pPr>
+            <a:r>
+              <a:rPr lang="ja-JP" altLang="en-US" sz="1200" dirty="0">
+                <a:solidFill>
+                  <a:schemeClr val="tx1"/>
+                </a:solidFill>
+                <a:latin typeface="+mn-lt"/>
+              </a:rPr>
+              <a:t>ドキュメント内全ての内容を漏れなく参照した上で回答を作成できる</a:t>
+            </a:r>
+            <a:endParaRPr lang="en-US" altLang="ja-JP" sz="1200" dirty="0">
+              <a:solidFill>
+                <a:schemeClr val="tx1"/>
+              </a:solidFill>
+              <a:latin typeface="+mn-lt"/>
+            </a:endParaRPr>
+          </a:p>
+          <a:p>
+            <a:pPr marL="171450" indent="-171450">
+              <a:buFont typeface="Arial" panose="020B0604020202020204" pitchFamily="34" charset="0"/>
+              <a:buChar char="•"/>
+            </a:pPr>
+            <a:r>
+              <a:rPr lang="ja-JP" altLang="en-US" sz="1200" dirty="0">
+                <a:solidFill>
+                  <a:schemeClr val="tx1"/>
+                </a:solidFill>
+                <a:latin typeface="+mn-lt"/>
+              </a:rPr>
+              <a:t>複数ページにまたがる情報（</a:t>
+            </a:r>
+            <a:r>
+              <a:rPr lang="en-US" altLang="ja-JP" sz="1200" dirty="0">
+                <a:solidFill>
+                  <a:schemeClr val="tx1"/>
+                </a:solidFill>
+                <a:latin typeface="+mn-lt"/>
+              </a:rPr>
+              <a:t>1</a:t>
+            </a:r>
+            <a:r>
+              <a:rPr lang="ja-JP" altLang="en-US" sz="1200" dirty="0">
+                <a:solidFill>
+                  <a:schemeClr val="tx1"/>
+                </a:solidFill>
+                <a:latin typeface="+mn-lt"/>
+              </a:rPr>
+              <a:t>チャンク内で情報を完結できない）の取得に有用</a:t>
+            </a:r>
+            <a:endParaRPr lang="en-US" altLang="ja-JP" sz="1200" dirty="0">
+              <a:solidFill>
+                <a:schemeClr val="tx1"/>
+              </a:solidFill>
+              <a:latin typeface="+mn-lt"/>
+            </a:endParaRPr>
+          </a:p>
+          <a:p>
+            <a:endParaRPr lang="ja-JP" altLang="en-US" sz="1200" dirty="0">
+              <a:solidFill>
+                <a:schemeClr val="tx1"/>
+              </a:solidFill>
+              <a:latin typeface="+mn-lt"/>
+            </a:endParaRPr>
+          </a:p>
+          <a:p>
+            <a:r>
+              <a:rPr lang="ja-JP" altLang="en-US" sz="1200" b="1" dirty="0">
+                <a:solidFill>
+                  <a:schemeClr val="tx1"/>
+                </a:solidFill>
+                <a:latin typeface="+mn-lt"/>
+              </a:rPr>
+              <a:t>欠点</a:t>
+            </a:r>
+            <a:endParaRPr lang="en-US" altLang="ja-JP" sz="1200" b="1" dirty="0">
+              <a:solidFill>
+                <a:schemeClr val="tx1"/>
+              </a:solidFill>
+              <a:latin typeface="+mn-lt"/>
+            </a:endParaRPr>
+          </a:p>
+          <a:p>
+            <a:pPr marL="171450" indent="-171450">
+              <a:buFont typeface="Arial" panose="020B0604020202020204" pitchFamily="34" charset="0"/>
+              <a:buChar char="•"/>
+            </a:pPr>
+            <a:r>
+              <a:rPr lang="en-US" altLang="ja-JP" sz="1200" dirty="0">
+                <a:solidFill>
+                  <a:schemeClr val="tx1"/>
+                </a:solidFill>
+                <a:latin typeface="+mn-lt"/>
+              </a:rPr>
+              <a:t>LLM</a:t>
+            </a:r>
+            <a:r>
+              <a:rPr lang="ja-JP" altLang="en-US" sz="1200" dirty="0">
+                <a:solidFill>
+                  <a:schemeClr val="tx1"/>
+                </a:solidFill>
+                <a:latin typeface="+mn-lt"/>
+              </a:rPr>
+              <a:t>に入力するトークン量が増えるので、コストが大きくなる</a:t>
+            </a:r>
+            <a:endParaRPr lang="en-US" altLang="ja-JP" sz="1200" dirty="0">
+              <a:solidFill>
+                <a:schemeClr val="tx1"/>
+              </a:solidFill>
+              <a:latin typeface="+mn-lt"/>
+            </a:endParaRPr>
+          </a:p>
+        </p:txBody>
+      </p:sp>
+      <p:sp>
+        <p:nvSpPr>
+          <p:cNvPr id="7" name="フッター プレースホルダー 3">
+            <a:extLst>
+              <a:ext uri="{FF2B5EF4-FFF2-40B4-BE49-F238E27FC236}">
+                <a16:creationId xmlns:a16="http://schemas.microsoft.com/office/drawing/2014/main" id="{2B102E64-711D-0BFC-A0D9-BB0A76899E49}"/>
+              </a:ext>
+            </a:extLst>
+          </p:cNvPr>
+          <p:cNvSpPr>
+            <a:spLocks noGrp="1"/>
+          </p:cNvSpPr>
+          <p:nvPr>
+            <p:ph type="ftr" sz="quarter" idx="11"/>
+          </p:nvPr>
+        </p:nvSpPr>
+        <p:spPr>
+          <a:xfrm>
+            <a:off x="8444093" y="6519334"/>
+            <a:ext cx="3747911" cy="365125"/>
+          </a:xfrm>
+        </p:spPr>
+        <p:txBody>
+          <a:bodyPr/>
+          <a:lstStyle/>
+          <a:p>
+            <a:r>
+              <a:rPr lang="en-US" altLang="ja-JP" dirty="0"/>
+              <a:t>Copyright (C) 2025 dbE.inc All Rights Reserved.</a:t>
+            </a:r>
+            <a:endParaRPr lang="ja-JP" altLang="en-US" dirty="0"/>
+          </a:p>
+        </p:txBody>
+      </p:sp>
+      <p:pic>
+        <p:nvPicPr>
+          <p:cNvPr id="3" name="図 2" descr="グラフィカル ユーザー インターフェイス, テキスト, アプリケーション&#10;&#10;AI によって生成されたコンテンツは間違っている可能性があります。">
+            <a:extLst>
+              <a:ext uri="{FF2B5EF4-FFF2-40B4-BE49-F238E27FC236}">
+                <a16:creationId xmlns:a16="http://schemas.microsoft.com/office/drawing/2014/main" id="{112ECCF4-6F20-8BAB-F6ED-9FCBD41D7B12}"/>
+              </a:ext>
+            </a:extLst>
+          </p:cNvPr>
+          <p:cNvPicPr>
+            <a:picLocks noChangeAspect="1"/>
+          </p:cNvPicPr>
+          <p:nvPr/>
+        </p:nvPicPr>
+        <p:blipFill>
+          <a:blip r:embed="rId2"/>
+          <a:stretch>
+            <a:fillRect/>
+          </a:stretch>
+        </p:blipFill>
+        <p:spPr>
+          <a:xfrm>
+            <a:off x="8204414" y="1128073"/>
+            <a:ext cx="3663594" cy="1752961"/>
+          </a:xfrm>
+          <a:prstGeom prst="rect">
+            <a:avLst/>
+          </a:prstGeom>
+        </p:spPr>
+      </p:pic>
+      <p:pic>
+        <p:nvPicPr>
+          <p:cNvPr id="10" name="図 9" descr="グラフィカル ユーザー インターフェイス, アプリケーション&#10;&#10;AI によって生成されたコンテンツは間違っている可能性があります。">
+            <a:extLst>
+              <a:ext uri="{FF2B5EF4-FFF2-40B4-BE49-F238E27FC236}">
+                <a16:creationId xmlns:a16="http://schemas.microsoft.com/office/drawing/2014/main" id="{0E6D7AB6-3F07-5CDA-CD95-EA462E25B4AF}"/>
+              </a:ext>
+            </a:extLst>
+          </p:cNvPr>
+          <p:cNvPicPr>
+            <a:picLocks noChangeAspect="1"/>
+          </p:cNvPicPr>
+          <p:nvPr/>
+        </p:nvPicPr>
+        <p:blipFill>
+          <a:blip r:embed="rId3"/>
+          <a:srcRect b="35790"/>
+          <a:stretch/>
+        </p:blipFill>
+        <p:spPr>
+          <a:xfrm>
+            <a:off x="2982508" y="3543650"/>
+            <a:ext cx="8875059" cy="2727639"/>
+          </a:xfrm>
+          <a:prstGeom prst="rect">
+            <a:avLst/>
+          </a:prstGeom>
+        </p:spPr>
+      </p:pic>
+      <p:sp>
+        <p:nvSpPr>
+          <p:cNvPr id="11" name="吹き出し: 線 10">
+            <a:extLst>
+              <a:ext uri="{FF2B5EF4-FFF2-40B4-BE49-F238E27FC236}">
+                <a16:creationId xmlns:a16="http://schemas.microsoft.com/office/drawing/2014/main" id="{109840BA-4FF6-40C6-926F-B7C6A7AFF4B2}"/>
+              </a:ext>
+            </a:extLst>
+          </p:cNvPr>
+          <p:cNvSpPr/>
+          <p:nvPr/>
+        </p:nvSpPr>
+        <p:spPr>
+          <a:xfrm>
+            <a:off x="5252699" y="5678964"/>
+            <a:ext cx="1456765" cy="477565"/>
+          </a:xfrm>
+          <a:prstGeom prst="borderCallout1">
+            <a:avLst>
+              <a:gd name="adj1" fmla="val -129399"/>
+              <a:gd name="adj2" fmla="val 108289"/>
+              <a:gd name="adj3" fmla="val -21730"/>
+              <a:gd name="adj4" fmla="val 83587"/>
+            </a:avLst>
+          </a:prstGeom>
+          <a:solidFill>
+            <a:srgbClr val="FFFF00"/>
+          </a:solidFill>
+          <a:ln w="19050">
+            <a:solidFill>
+              <a:srgbClr val="C00000"/>
+            </a:solidFill>
+          </a:ln>
+        </p:spPr>
+        <p:style>
+          <a:lnRef idx="2">
+            <a:schemeClr val="dk1"/>
+          </a:lnRef>
+          <a:fillRef idx="1">
+            <a:schemeClr val="lt1"/>
+          </a:fillRef>
+          <a:effectRef idx="0">
+            <a:schemeClr val="dk1"/>
+          </a:effectRef>
+          <a:fontRef idx="minor">
+            <a:schemeClr val="dk1"/>
+          </a:fontRef>
+        </p:style>
+        <p:txBody>
+          <a:bodyPr rtlCol="0" anchor="ctr"/>
+          <a:lstStyle/>
+          <a:p>
+            <a:pPr algn="ctr"/>
+            <a:r>
+              <a:rPr kumimoji="1" lang="en-US" altLang="ja-JP" sz="900" dirty="0">
+                <a:solidFill>
+                  <a:schemeClr val="dk1"/>
+                </a:solidFill>
+              </a:rPr>
+              <a:t>HTTP</a:t>
+            </a:r>
+            <a:r>
+              <a:rPr kumimoji="1" lang="ja-JP" altLang="en-US" sz="900" dirty="0">
+                <a:solidFill>
+                  <a:schemeClr val="dk1"/>
+                </a:solidFill>
+              </a:rPr>
+              <a:t>リクエストで</a:t>
+            </a:r>
+            <a:endParaRPr kumimoji="1" lang="en-US" altLang="ja-JP" sz="900" dirty="0">
+              <a:solidFill>
+                <a:schemeClr val="dk1"/>
+              </a:solidFill>
+            </a:endParaRPr>
+          </a:p>
+          <a:p>
+            <a:pPr algn="ctr"/>
+            <a:r>
+              <a:rPr kumimoji="1" lang="ja-JP" altLang="en-US" sz="900" dirty="0">
+                <a:solidFill>
+                  <a:schemeClr val="dk1"/>
+                </a:solidFill>
+              </a:rPr>
+              <a:t>指定したドキュメントの</a:t>
+            </a:r>
+            <a:endParaRPr kumimoji="1" lang="en-US" altLang="ja-JP" sz="900" dirty="0">
+              <a:solidFill>
+                <a:schemeClr val="dk1"/>
+              </a:solidFill>
+            </a:endParaRPr>
+          </a:p>
+          <a:p>
+            <a:pPr algn="ctr"/>
+            <a:r>
+              <a:rPr lang="ja-JP" altLang="en-US" sz="900" dirty="0"/>
+              <a:t>全チャンクを取得</a:t>
+            </a:r>
+            <a:endParaRPr kumimoji="1" lang="ja-JP" altLang="en-US" sz="900" dirty="0">
+              <a:solidFill>
+                <a:schemeClr val="dk1"/>
+              </a:solidFill>
+            </a:endParaRPr>
+          </a:p>
+        </p:txBody>
+      </p:sp>
+      <p:sp>
+        <p:nvSpPr>
+          <p:cNvPr id="12" name="正方形/長方形 11">
+            <a:extLst>
+              <a:ext uri="{FF2B5EF4-FFF2-40B4-BE49-F238E27FC236}">
+                <a16:creationId xmlns:a16="http://schemas.microsoft.com/office/drawing/2014/main" id="{7ED871A1-015C-5392-A486-F8D6BD47646D}"/>
+              </a:ext>
+            </a:extLst>
+          </p:cNvPr>
+          <p:cNvSpPr/>
+          <p:nvPr/>
+        </p:nvSpPr>
+        <p:spPr>
+          <a:xfrm>
+            <a:off x="6747607" y="4450850"/>
+            <a:ext cx="994990" cy="525322"/>
+          </a:xfrm>
+          <a:prstGeom prst="rect">
+            <a:avLst/>
+          </a:prstGeom>
+          <a:noFill/>
+          <a:ln w="19050">
+            <a:solidFill>
+              <a:srgbClr val="C00000"/>
+            </a:solidFill>
+          </a:ln>
+        </p:spPr>
+        <p:style>
+          <a:lnRef idx="2">
+            <a:schemeClr val="dk1"/>
+          </a:lnRef>
+          <a:fillRef idx="1">
+            <a:schemeClr val="lt1"/>
+          </a:fillRef>
+          <a:effectRef idx="0">
+            <a:schemeClr val="dk1"/>
+          </a:effectRef>
+          <a:fontRef idx="minor">
+            <a:schemeClr val="dk1"/>
+          </a:fontRef>
+        </p:style>
+        <p:txBody>
+          <a:bodyPr rtlCol="0" anchor="ctr"/>
+          <a:lstStyle/>
+          <a:p>
+            <a:pPr algn="ctr"/>
+            <a:endParaRPr kumimoji="1" lang="ja-JP" altLang="en-US" sz="900" dirty="0">
+              <a:solidFill>
+                <a:schemeClr val="dk1"/>
+              </a:solidFill>
+            </a:endParaRPr>
+          </a:p>
+        </p:txBody>
+      </p:sp>
+      <p:sp>
+        <p:nvSpPr>
+          <p:cNvPr id="13" name="正方形/長方形 12">
+            <a:extLst>
+              <a:ext uri="{FF2B5EF4-FFF2-40B4-BE49-F238E27FC236}">
+                <a16:creationId xmlns:a16="http://schemas.microsoft.com/office/drawing/2014/main" id="{5D8D3C8E-B9EE-3FB5-98EA-66C4711B58EE}"/>
+              </a:ext>
+            </a:extLst>
+          </p:cNvPr>
+          <p:cNvSpPr/>
+          <p:nvPr/>
+        </p:nvSpPr>
+        <p:spPr>
+          <a:xfrm>
+            <a:off x="9323058" y="4438579"/>
+            <a:ext cx="994990" cy="245067"/>
+          </a:xfrm>
+          <a:prstGeom prst="rect">
+            <a:avLst/>
+          </a:prstGeom>
+          <a:noFill/>
+          <a:ln w="19050">
+            <a:solidFill>
+              <a:srgbClr val="C00000"/>
+            </a:solidFill>
+          </a:ln>
+        </p:spPr>
+        <p:style>
+          <a:lnRef idx="2">
+            <a:schemeClr val="dk1"/>
+          </a:lnRef>
+          <a:fillRef idx="1">
+            <a:schemeClr val="lt1"/>
+          </a:fillRef>
+          <a:effectRef idx="0">
+            <a:schemeClr val="dk1"/>
+          </a:effectRef>
+          <a:fontRef idx="minor">
+            <a:schemeClr val="dk1"/>
+          </a:fontRef>
+        </p:style>
+        <p:txBody>
+          <a:bodyPr rtlCol="0" anchor="ctr"/>
+          <a:lstStyle/>
+          <a:p>
+            <a:pPr algn="ctr"/>
+            <a:endParaRPr kumimoji="1" lang="ja-JP" altLang="en-US" sz="900" dirty="0">
+              <a:solidFill>
+                <a:schemeClr val="dk1"/>
+              </a:solidFill>
+            </a:endParaRPr>
+          </a:p>
+        </p:txBody>
+      </p:sp>
+      <p:sp>
+        <p:nvSpPr>
+          <p:cNvPr id="14" name="吹き出し: 線 13">
+            <a:extLst>
+              <a:ext uri="{FF2B5EF4-FFF2-40B4-BE49-F238E27FC236}">
+                <a16:creationId xmlns:a16="http://schemas.microsoft.com/office/drawing/2014/main" id="{BB52F62A-5E61-99E2-54DE-E529AAE43F31}"/>
+              </a:ext>
+            </a:extLst>
+          </p:cNvPr>
+          <p:cNvSpPr/>
+          <p:nvPr/>
+        </p:nvSpPr>
+        <p:spPr>
+          <a:xfrm>
+            <a:off x="10318048" y="5578575"/>
+            <a:ext cx="1456765" cy="477565"/>
+          </a:xfrm>
+          <a:prstGeom prst="borderCallout1">
+            <a:avLst>
+              <a:gd name="adj1" fmla="val -172574"/>
+              <a:gd name="adj2" fmla="val -25249"/>
+              <a:gd name="adj3" fmla="val -32993"/>
+              <a:gd name="adj4" fmla="val 9741"/>
+            </a:avLst>
+          </a:prstGeom>
+          <a:solidFill>
+            <a:srgbClr val="FFFF00"/>
+          </a:solidFill>
+          <a:ln w="19050">
+            <a:solidFill>
+              <a:srgbClr val="C00000"/>
+            </a:solidFill>
+          </a:ln>
+        </p:spPr>
+        <p:style>
+          <a:lnRef idx="2">
+            <a:schemeClr val="dk1"/>
+          </a:lnRef>
+          <a:fillRef idx="1">
+            <a:schemeClr val="lt1"/>
+          </a:fillRef>
+          <a:effectRef idx="0">
+            <a:schemeClr val="dk1"/>
+          </a:effectRef>
+          <a:fontRef idx="minor">
+            <a:schemeClr val="dk1"/>
+          </a:fontRef>
+        </p:style>
+        <p:txBody>
+          <a:bodyPr rtlCol="0" anchor="ctr"/>
+          <a:lstStyle/>
+          <a:p>
+            <a:pPr algn="ctr"/>
+            <a:r>
+              <a:rPr kumimoji="1" lang="ja-JP" altLang="en-US" sz="900" dirty="0">
+                <a:solidFill>
+                  <a:schemeClr val="dk1"/>
+                </a:solidFill>
+              </a:rPr>
+              <a:t>全チャンクの文字列を</a:t>
+            </a:r>
+            <a:endParaRPr kumimoji="1" lang="en-US" altLang="ja-JP" sz="900" dirty="0">
+              <a:solidFill>
+                <a:schemeClr val="dk1"/>
+              </a:solidFill>
+            </a:endParaRPr>
+          </a:p>
+          <a:p>
+            <a:pPr algn="ctr"/>
+            <a:r>
+              <a:rPr lang="ja-JP" altLang="en-US" sz="900" dirty="0"/>
+              <a:t>結合する内容のコードを</a:t>
+            </a:r>
+            <a:endParaRPr lang="en-US" altLang="ja-JP" sz="900" dirty="0"/>
+          </a:p>
+          <a:p>
+            <a:pPr algn="ctr"/>
+            <a:r>
+              <a:rPr lang="ja-JP" altLang="en-US" sz="900" dirty="0"/>
+              <a:t>記述・実行</a:t>
+            </a:r>
+            <a:endParaRPr lang="en-US" altLang="ja-JP" sz="900" dirty="0"/>
+          </a:p>
+        </p:txBody>
+      </p:sp>
+      <p:sp>
+        <p:nvSpPr>
+          <p:cNvPr id="15" name="正方形/長方形 14">
+            <a:extLst>
+              <a:ext uri="{FF2B5EF4-FFF2-40B4-BE49-F238E27FC236}">
+                <a16:creationId xmlns:a16="http://schemas.microsoft.com/office/drawing/2014/main" id="{3176CCBB-CBF4-3357-940A-2A726CC341AD}"/>
+              </a:ext>
+            </a:extLst>
+          </p:cNvPr>
+          <p:cNvSpPr/>
+          <p:nvPr/>
+        </p:nvSpPr>
+        <p:spPr>
+          <a:xfrm>
+            <a:off x="8247529" y="350235"/>
+            <a:ext cx="3636749" cy="388991"/>
+          </a:xfrm>
+          <a:prstGeom prst="rect">
+            <a:avLst/>
+          </a:prstGeom>
+          <a:solidFill>
+            <a:srgbClr val="FFFF00"/>
+          </a:solidFill>
+          <a:ln w="19050">
+            <a:solidFill>
+              <a:srgbClr val="C00000"/>
+            </a:solidFill>
+          </a:ln>
+        </p:spPr>
+        <p:style>
+          <a:lnRef idx="2">
+            <a:schemeClr val="dk1"/>
+          </a:lnRef>
+          <a:fillRef idx="1">
+            <a:schemeClr val="lt1"/>
+          </a:fillRef>
+          <a:effectRef idx="0">
+            <a:schemeClr val="dk1"/>
+          </a:effectRef>
+          <a:fontRef idx="minor">
+            <a:schemeClr val="dk1"/>
+          </a:fontRef>
+        </p:style>
+        <p:txBody>
+          <a:bodyPr rtlCol="0" anchor="ctr"/>
+          <a:lstStyle/>
+          <a:p>
+            <a:r>
+              <a:rPr kumimoji="1" lang="en-US" altLang="ja-JP" sz="900" dirty="0" err="1">
+                <a:solidFill>
+                  <a:schemeClr val="dk1"/>
+                </a:solidFill>
+              </a:rPr>
+              <a:t>Dify</a:t>
+            </a:r>
+            <a:r>
+              <a:rPr kumimoji="1" lang="ja-JP" altLang="en-US" sz="900" dirty="0">
+                <a:solidFill>
+                  <a:schemeClr val="dk1"/>
+                </a:solidFill>
+              </a:rPr>
+              <a:t>の</a:t>
+            </a:r>
+            <a:r>
+              <a:rPr kumimoji="1" lang="en-US" altLang="ja-JP" sz="900" dirty="0">
+                <a:solidFill>
+                  <a:schemeClr val="dk1"/>
+                </a:solidFill>
+              </a:rPr>
+              <a:t>knowledge</a:t>
+            </a:r>
+            <a:r>
+              <a:rPr kumimoji="1" lang="ja-JP" altLang="en-US" sz="900" dirty="0">
+                <a:solidFill>
+                  <a:schemeClr val="dk1"/>
+                </a:solidFill>
+              </a:rPr>
+              <a:t>ベースについては公式ドキュメントを参照のこと</a:t>
+            </a:r>
+            <a:endParaRPr kumimoji="1" lang="en-US" altLang="ja-JP" sz="900" dirty="0">
+              <a:solidFill>
+                <a:schemeClr val="dk1"/>
+              </a:solidFill>
+            </a:endParaRPr>
+          </a:p>
+          <a:p>
+            <a:r>
+              <a:rPr kumimoji="1" lang="en-US" altLang="ja-JP" sz="900" dirty="0">
+                <a:solidFill>
+                  <a:schemeClr val="dk1"/>
+                </a:solidFill>
+                <a:hlinkClick r:id="rId4"/>
+              </a:rPr>
+              <a:t>https://docs.dify.ai/guides/knowledge-base</a:t>
+            </a:r>
+            <a:endParaRPr kumimoji="1" lang="ja-JP" altLang="en-US" sz="900" dirty="0">
+              <a:solidFill>
+                <a:schemeClr val="dk1"/>
+              </a:solidFill>
+            </a:endParaRPr>
+          </a:p>
+        </p:txBody>
+      </p:sp>
+    </p:spTree>
+    <p:extLst>
+      <p:ext uri="{BB962C8B-B14F-4D97-AF65-F5344CB8AC3E}">
+        <p14:creationId xmlns:p14="http://schemas.microsoft.com/office/powerpoint/2010/main" val="4032912495"/>
+      </p:ext>
+    </p:extLst>
+  </p:cSld>
+  <p:clrMapOvr>
+    <a:masterClrMapping/>
+  </p:clrMapOvr>
+</p:sld>
+</file>
+
+<file path=ppt/slides/slide13.xml><?xml version="1.0" encoding="utf-8"?>
+<p:sld xmlns:a="http://schemas.openxmlformats.org/drawingml/2006/main" xmlns:r="http://schemas.openxmlformats.org/officeDocument/2006/relationships" xmlns:p="http://schemas.openxmlformats.org/presentationml/2006/main">
+  <p:cSld>
+    <p:spTree>
+      <p:nvGrpSpPr>
+        <p:cNvPr id="1" name="">
+          <a:extLst>
+            <a:ext uri="{FF2B5EF4-FFF2-40B4-BE49-F238E27FC236}">
+              <a16:creationId xmlns:a16="http://schemas.microsoft.com/office/drawing/2014/main" id="{0E6C2262-67C8-122F-F1AC-86895F3ECE4B}"/>
+            </a:ext>
+          </a:extLst>
+        </p:cNvPr>
+        <p:cNvGrpSpPr/>
+        <p:nvPr/>
+      </p:nvGrpSpPr>
+      <p:grpSpPr>
+        <a:xfrm>
+          <a:off x="0" y="0"/>
+          <a:ext cx="0" cy="0"/>
+          <a:chOff x="0" y="0"/>
+          <a:chExt cx="0" cy="0"/>
+        </a:xfrm>
+      </p:grpSpPr>
+      <p:sp>
+        <p:nvSpPr>
+          <p:cNvPr id="23" name="四角形: 角を丸くする 22">
+            <a:extLst>
+              <a:ext uri="{FF2B5EF4-FFF2-40B4-BE49-F238E27FC236}">
+                <a16:creationId xmlns:a16="http://schemas.microsoft.com/office/drawing/2014/main" id="{0DBEAA72-2609-EBFA-EFF5-1C800BD8D87F}"/>
+              </a:ext>
+            </a:extLst>
+          </p:cNvPr>
+          <p:cNvSpPr/>
+          <p:nvPr/>
+        </p:nvSpPr>
+        <p:spPr>
+          <a:xfrm>
+            <a:off x="289069" y="911364"/>
+            <a:ext cx="11710220" cy="5511507"/>
+          </a:xfrm>
+          <a:prstGeom prst="roundRect">
+            <a:avLst>
+              <a:gd name="adj" fmla="val 2121"/>
+            </a:avLst>
+          </a:prstGeom>
+          <a:solidFill>
+            <a:schemeClr val="accent1">
+              <a:lumMod val="20000"/>
+              <a:lumOff val="80000"/>
+            </a:schemeClr>
+          </a:solidFill>
+          <a:ln w="9525">
+            <a:noFill/>
+          </a:ln>
+        </p:spPr>
+        <p:style>
+          <a:lnRef idx="2">
+            <a:schemeClr val="dk1"/>
+          </a:lnRef>
+          <a:fillRef idx="1">
+            <a:schemeClr val="lt1"/>
+          </a:fillRef>
+          <a:effectRef idx="0">
+            <a:schemeClr val="dk1"/>
+          </a:effectRef>
+          <a:fontRef idx="minor">
+            <a:schemeClr val="dk1"/>
+          </a:fontRef>
+        </p:style>
+        <p:txBody>
+          <a:bodyPr rtlCol="0" anchor="ctr"/>
+          <a:lstStyle/>
+          <a:p>
+            <a:pPr algn="ctr"/>
+            <a:endParaRPr kumimoji="1" lang="ja-JP" altLang="en-US" dirty="0">
+              <a:solidFill>
+                <a:schemeClr val="dk1"/>
+              </a:solidFill>
+            </a:endParaRPr>
+          </a:p>
+        </p:txBody>
+      </p:sp>
+      <p:sp>
+        <p:nvSpPr>
+          <p:cNvPr id="6" name="タイトル 5">
+            <a:extLst>
+              <a:ext uri="{FF2B5EF4-FFF2-40B4-BE49-F238E27FC236}">
+                <a16:creationId xmlns:a16="http://schemas.microsoft.com/office/drawing/2014/main" id="{3A751889-FE9A-A3DA-3213-4232C5008687}"/>
+              </a:ext>
+            </a:extLst>
+          </p:cNvPr>
+          <p:cNvSpPr>
+            <a:spLocks noGrp="1"/>
+          </p:cNvSpPr>
+          <p:nvPr>
+            <p:ph type="title"/>
+          </p:nvPr>
+        </p:nvSpPr>
+        <p:spPr/>
+        <p:txBody>
+          <a:bodyPr>
+            <a:normAutofit fontScale="90000"/>
+          </a:bodyPr>
+          <a:lstStyle/>
+          <a:p>
+            <a:r>
+              <a:rPr lang="ja-JP" altLang="en-US" dirty="0"/>
+              <a:t>ベクトル検索で取得するデータについて </a:t>
+            </a:r>
+            <a:r>
+              <a:rPr lang="en-US" altLang="ja-JP" dirty="0"/>
+              <a:t>– retrieve chunks</a:t>
+            </a:r>
+            <a:endParaRPr lang="ja-JP" altLang="en-US" dirty="0"/>
+          </a:p>
+        </p:txBody>
+      </p:sp>
+      <p:sp>
+        <p:nvSpPr>
+          <p:cNvPr id="4" name="スライド番号プレースホルダー 3">
+            <a:extLst>
+              <a:ext uri="{FF2B5EF4-FFF2-40B4-BE49-F238E27FC236}">
+                <a16:creationId xmlns:a16="http://schemas.microsoft.com/office/drawing/2014/main" id="{95D1A1D5-548E-CE1C-F16F-A6017248649A}"/>
+              </a:ext>
+            </a:extLst>
+          </p:cNvPr>
+          <p:cNvSpPr>
+            <a:spLocks noGrp="1"/>
+          </p:cNvSpPr>
+          <p:nvPr>
+            <p:ph type="sldNum" sz="quarter" idx="12"/>
+          </p:nvPr>
+        </p:nvSpPr>
+        <p:spPr/>
+        <p:txBody>
+          <a:bodyPr/>
+          <a:lstStyle/>
+          <a:p>
+            <a:fld id="{0AF7E18D-A281-EF4E-83EF-D7811667EA6C}" type="slidenum">
+              <a:rPr kumimoji="1" lang="ja-JP" altLang="en-US" smtClean="0"/>
+              <a:t>13</a:t>
+            </a:fld>
+            <a:endParaRPr kumimoji="1" lang="ja-JP" altLang="en-US"/>
+          </a:p>
+        </p:txBody>
+      </p:sp>
+      <p:sp>
+        <p:nvSpPr>
+          <p:cNvPr id="22" name="コンテンツ プレースホルダー 6">
+            <a:extLst>
+              <a:ext uri="{FF2B5EF4-FFF2-40B4-BE49-F238E27FC236}">
+                <a16:creationId xmlns:a16="http://schemas.microsoft.com/office/drawing/2014/main" id="{3FA73978-E1C5-0EE7-569E-EEB92DC2707B}"/>
+              </a:ext>
+            </a:extLst>
+          </p:cNvPr>
+          <p:cNvSpPr>
+            <a:spLocks noGrp="1"/>
+          </p:cNvSpPr>
+          <p:nvPr>
+            <p:ph sz="quarter" idx="13"/>
+          </p:nvPr>
+        </p:nvSpPr>
+        <p:spPr>
+          <a:xfrm>
+            <a:off x="345404" y="1043038"/>
+            <a:ext cx="11522604" cy="2548390"/>
+          </a:xfrm>
+        </p:spPr>
+        <p:txBody>
+          <a:bodyPr/>
+          <a:lstStyle/>
+          <a:p>
+            <a:r>
+              <a:rPr lang="ja-JP" altLang="en-US" sz="1800" b="1" dirty="0"/>
+              <a:t>文書のチャンクを取得する場合</a:t>
+            </a:r>
+            <a:endParaRPr lang="en-US" altLang="ja-JP" sz="1200" dirty="0">
+              <a:solidFill>
+                <a:schemeClr val="tx1"/>
+              </a:solidFill>
+            </a:endParaRPr>
+          </a:p>
+          <a:p>
+            <a:pPr marL="171450" indent="-171450">
+              <a:buFont typeface="Arial" panose="020B0604020202020204" pitchFamily="34" charset="0"/>
+              <a:buChar char="•"/>
+            </a:pPr>
+            <a:r>
+              <a:rPr lang="ja-JP" altLang="en-US" sz="1200" dirty="0">
+                <a:solidFill>
+                  <a:schemeClr val="tx1"/>
+                </a:solidFill>
+              </a:rPr>
+              <a:t>ドキュメントを登録する際、チャンク区切り条件を指定可能</a:t>
+            </a:r>
+            <a:endParaRPr lang="en-US" altLang="ja-JP" sz="1200" dirty="0">
+              <a:solidFill>
+                <a:schemeClr val="tx1"/>
+              </a:solidFill>
+            </a:endParaRPr>
+          </a:p>
+          <a:p>
+            <a:pPr marL="171450" indent="-171450">
+              <a:buFont typeface="Arial" panose="020B0604020202020204" pitchFamily="34" charset="0"/>
+              <a:buChar char="•"/>
+            </a:pPr>
+            <a:r>
+              <a:rPr lang="ja-JP" altLang="en-US" sz="1200" dirty="0">
+                <a:solidFill>
+                  <a:schemeClr val="tx1"/>
+                </a:solidFill>
+              </a:rPr>
+              <a:t>取得チャンク数は調整が可能</a:t>
+            </a:r>
+            <a:endParaRPr lang="en-US" altLang="ja-JP" sz="1200" dirty="0">
+              <a:solidFill>
+                <a:schemeClr val="tx1"/>
+              </a:solidFill>
+            </a:endParaRPr>
+          </a:p>
+          <a:p>
+            <a:pPr marL="171450" indent="-171450">
+              <a:buFont typeface="Arial" panose="020B0604020202020204" pitchFamily="34" charset="0"/>
+              <a:buChar char="•"/>
+            </a:pPr>
+            <a:endParaRPr lang="en-US" altLang="ja-JP" sz="1200" dirty="0">
+              <a:solidFill>
+                <a:schemeClr val="tx1"/>
+              </a:solidFill>
+            </a:endParaRPr>
+          </a:p>
+          <a:p>
+            <a:r>
+              <a:rPr lang="ja-JP" altLang="en-US" sz="1200" b="1" dirty="0">
+                <a:solidFill>
+                  <a:schemeClr val="tx1"/>
+                </a:solidFill>
+              </a:rPr>
+              <a:t>利点</a:t>
+            </a:r>
+          </a:p>
+          <a:p>
+            <a:pPr marL="171450" indent="-171450">
+              <a:buFont typeface="Arial" panose="020B0604020202020204" pitchFamily="34" charset="0"/>
+              <a:buChar char="•"/>
+            </a:pPr>
+            <a:r>
+              <a:rPr lang="en-US" altLang="ja-JP" sz="1200" dirty="0">
+                <a:solidFill>
+                  <a:schemeClr val="tx1"/>
+                </a:solidFill>
+              </a:rPr>
+              <a:t>LLM</a:t>
+            </a:r>
+            <a:r>
+              <a:rPr lang="ja-JP" altLang="en-US" sz="1200" dirty="0">
+                <a:solidFill>
+                  <a:schemeClr val="tx1"/>
+                </a:solidFill>
+              </a:rPr>
+              <a:t>に入力するトークン量が少なくなり、コストが抑えられる</a:t>
+            </a:r>
+            <a:endParaRPr lang="en-US" altLang="ja-JP" sz="1200" dirty="0">
+              <a:solidFill>
+                <a:schemeClr val="tx1"/>
+              </a:solidFill>
+            </a:endParaRPr>
+          </a:p>
+          <a:p>
+            <a:pPr marL="171450" indent="-171450">
+              <a:buFont typeface="Arial" panose="020B0604020202020204" pitchFamily="34" charset="0"/>
+              <a:buChar char="•"/>
+            </a:pPr>
+            <a:r>
+              <a:rPr lang="en-US" altLang="ja-JP" sz="1200" dirty="0">
+                <a:solidFill>
+                  <a:schemeClr val="tx1"/>
+                </a:solidFill>
+              </a:rPr>
+              <a:t>1</a:t>
+            </a:r>
+            <a:r>
+              <a:rPr lang="ja-JP" altLang="en-US" sz="1200" dirty="0">
+                <a:solidFill>
+                  <a:schemeClr val="tx1"/>
+                </a:solidFill>
+              </a:rPr>
+              <a:t>チャンク内で必要な情報を完結出来る場合に有用</a:t>
+            </a:r>
+          </a:p>
+          <a:p>
+            <a:r>
+              <a:rPr lang="ja-JP" altLang="en-US" sz="1200" dirty="0">
+                <a:solidFill>
+                  <a:schemeClr val="tx1"/>
+                </a:solidFill>
+              </a:rPr>
+              <a:t> </a:t>
+            </a:r>
+          </a:p>
+          <a:p>
+            <a:r>
+              <a:rPr lang="ja-JP" altLang="en-US" sz="1200" b="1" dirty="0">
+                <a:solidFill>
+                  <a:schemeClr val="tx1"/>
+                </a:solidFill>
+              </a:rPr>
+              <a:t>欠点</a:t>
+            </a:r>
+            <a:endParaRPr lang="en-US" altLang="ja-JP" sz="1200" b="1" dirty="0">
+              <a:solidFill>
+                <a:schemeClr val="tx1"/>
+              </a:solidFill>
+            </a:endParaRPr>
+          </a:p>
+          <a:p>
+            <a:pPr marL="171450" indent="-171450">
+              <a:buFont typeface="Arial" panose="020B0604020202020204" pitchFamily="34" charset="0"/>
+              <a:buChar char="•"/>
+            </a:pPr>
+            <a:r>
+              <a:rPr lang="ja-JP" altLang="en-US" sz="1200" dirty="0">
+                <a:solidFill>
+                  <a:schemeClr val="tx1"/>
+                </a:solidFill>
+              </a:rPr>
+              <a:t>取得したチャンクに回答生成に必要な情報が不足している可能性があるため、</a:t>
+            </a:r>
+            <a:br>
+              <a:rPr lang="en-US" altLang="ja-JP" sz="1200" dirty="0">
+                <a:solidFill>
+                  <a:schemeClr val="tx1"/>
+                </a:solidFill>
+              </a:rPr>
+            </a:br>
+            <a:r>
+              <a:rPr lang="ja-JP" altLang="en-US" sz="1200" dirty="0">
+                <a:solidFill>
+                  <a:schemeClr val="tx1"/>
+                </a:solidFill>
+              </a:rPr>
+              <a:t>精度が落ちる可能性がある</a:t>
+            </a:r>
+            <a:endParaRPr lang="en-US" altLang="ja-JP" sz="1200" dirty="0">
+              <a:solidFill>
+                <a:schemeClr val="tx1"/>
+              </a:solidFill>
+            </a:endParaRPr>
+          </a:p>
+        </p:txBody>
+      </p:sp>
+      <p:sp>
+        <p:nvSpPr>
+          <p:cNvPr id="7" name="フッター プレースホルダー 3">
+            <a:extLst>
+              <a:ext uri="{FF2B5EF4-FFF2-40B4-BE49-F238E27FC236}">
+                <a16:creationId xmlns:a16="http://schemas.microsoft.com/office/drawing/2014/main" id="{238A35A6-F098-83A2-2286-1BED0C45BE90}"/>
+              </a:ext>
+            </a:extLst>
+          </p:cNvPr>
+          <p:cNvSpPr>
+            <a:spLocks noGrp="1"/>
+          </p:cNvSpPr>
+          <p:nvPr>
+            <p:ph type="ftr" sz="quarter" idx="11"/>
+          </p:nvPr>
+        </p:nvSpPr>
+        <p:spPr>
+          <a:xfrm>
+            <a:off x="8444093" y="6519334"/>
+            <a:ext cx="3747911" cy="365125"/>
+          </a:xfrm>
+        </p:spPr>
+        <p:txBody>
+          <a:bodyPr/>
+          <a:lstStyle/>
+          <a:p>
+            <a:r>
+              <a:rPr lang="en-US" altLang="ja-JP" dirty="0"/>
+              <a:t>Copyright (C) 2025 dbE.inc All Rights Reserved.</a:t>
+            </a:r>
+            <a:endParaRPr lang="ja-JP" altLang="en-US" dirty="0"/>
+          </a:p>
+        </p:txBody>
+      </p:sp>
+      <p:pic>
+        <p:nvPicPr>
+          <p:cNvPr id="5" name="図 4" descr="グラフィカル ユーザー インターフェイス, テキスト, アプリケーション, メール&#10;&#10;AI によって生成されたコンテンツは間違っている可能性があります。">
+            <a:extLst>
+              <a:ext uri="{FF2B5EF4-FFF2-40B4-BE49-F238E27FC236}">
+                <a16:creationId xmlns:a16="http://schemas.microsoft.com/office/drawing/2014/main" id="{1296B09C-A49C-EEA7-99BF-70EDAAC58C96}"/>
+              </a:ext>
+            </a:extLst>
+          </p:cNvPr>
+          <p:cNvPicPr>
+            <a:picLocks noChangeAspect="1"/>
+          </p:cNvPicPr>
+          <p:nvPr/>
+        </p:nvPicPr>
+        <p:blipFill>
+          <a:blip r:embed="rId2"/>
+          <a:srcRect l="2325" t="13829" r="52978" b="984"/>
+          <a:stretch/>
+        </p:blipFill>
+        <p:spPr>
+          <a:xfrm>
+            <a:off x="6453471" y="1318139"/>
+            <a:ext cx="5449460" cy="4971307"/>
+          </a:xfrm>
+          <a:prstGeom prst="rect">
+            <a:avLst/>
+          </a:prstGeom>
+        </p:spPr>
+      </p:pic>
+      <p:sp>
+        <p:nvSpPr>
+          <p:cNvPr id="8" name="正方形/長方形 7">
+            <a:extLst>
+              <a:ext uri="{FF2B5EF4-FFF2-40B4-BE49-F238E27FC236}">
+                <a16:creationId xmlns:a16="http://schemas.microsoft.com/office/drawing/2014/main" id="{785F3DF9-4AD2-6FD7-8F9E-3C0DB2592821}"/>
+              </a:ext>
+            </a:extLst>
+          </p:cNvPr>
+          <p:cNvSpPr/>
+          <p:nvPr/>
+        </p:nvSpPr>
+        <p:spPr>
+          <a:xfrm>
+            <a:off x="6462558" y="1318139"/>
+            <a:ext cx="5453629" cy="4971306"/>
+          </a:xfrm>
+          <a:prstGeom prst="rect">
+            <a:avLst/>
+          </a:prstGeom>
+          <a:noFill/>
+          <a:ln w="19050">
+            <a:solidFill>
+              <a:srgbClr val="C00000"/>
+            </a:solidFill>
+          </a:ln>
+        </p:spPr>
+        <p:style>
+          <a:lnRef idx="2">
+            <a:schemeClr val="dk1"/>
+          </a:lnRef>
+          <a:fillRef idx="1">
+            <a:schemeClr val="lt1"/>
+          </a:fillRef>
+          <a:effectRef idx="0">
+            <a:schemeClr val="dk1"/>
+          </a:effectRef>
+          <a:fontRef idx="minor">
+            <a:schemeClr val="dk1"/>
+          </a:fontRef>
+        </p:style>
+        <p:txBody>
+          <a:bodyPr rtlCol="0" anchor="ctr"/>
+          <a:lstStyle/>
+          <a:p>
+            <a:pPr algn="ctr"/>
+            <a:endParaRPr kumimoji="1" lang="ja-JP" altLang="en-US" sz="900" dirty="0">
+              <a:solidFill>
+                <a:schemeClr val="dk1"/>
+              </a:solidFill>
+            </a:endParaRPr>
+          </a:p>
+        </p:txBody>
+      </p:sp>
+      <p:sp>
+        <p:nvSpPr>
+          <p:cNvPr id="15" name="正方形/長方形 14">
+            <a:extLst>
+              <a:ext uri="{FF2B5EF4-FFF2-40B4-BE49-F238E27FC236}">
+                <a16:creationId xmlns:a16="http://schemas.microsoft.com/office/drawing/2014/main" id="{6FF6D69D-8EDD-6C7E-EF04-477E0C0C8884}"/>
+              </a:ext>
+            </a:extLst>
+          </p:cNvPr>
+          <p:cNvSpPr/>
+          <p:nvPr/>
+        </p:nvSpPr>
+        <p:spPr>
+          <a:xfrm>
+            <a:off x="8247529" y="350235"/>
+            <a:ext cx="3636749" cy="388991"/>
+          </a:xfrm>
+          <a:prstGeom prst="rect">
+            <a:avLst/>
+          </a:prstGeom>
+          <a:solidFill>
+            <a:srgbClr val="FFFF00"/>
+          </a:solidFill>
+          <a:ln w="19050">
+            <a:solidFill>
+              <a:srgbClr val="C00000"/>
+            </a:solidFill>
+          </a:ln>
+        </p:spPr>
+        <p:style>
+          <a:lnRef idx="2">
+            <a:schemeClr val="dk1"/>
+          </a:lnRef>
+          <a:fillRef idx="1">
+            <a:schemeClr val="lt1"/>
+          </a:fillRef>
+          <a:effectRef idx="0">
+            <a:schemeClr val="dk1"/>
+          </a:effectRef>
+          <a:fontRef idx="minor">
+            <a:schemeClr val="dk1"/>
+          </a:fontRef>
+        </p:style>
+        <p:txBody>
+          <a:bodyPr rtlCol="0" anchor="ctr"/>
+          <a:lstStyle/>
+          <a:p>
+            <a:r>
+              <a:rPr kumimoji="1" lang="en-US" altLang="ja-JP" sz="900" dirty="0" err="1">
+                <a:solidFill>
+                  <a:schemeClr val="dk1"/>
+                </a:solidFill>
+              </a:rPr>
+              <a:t>Dify</a:t>
+            </a:r>
+            <a:r>
+              <a:rPr kumimoji="1" lang="ja-JP" altLang="en-US" sz="900" dirty="0">
+                <a:solidFill>
+                  <a:schemeClr val="dk1"/>
+                </a:solidFill>
+              </a:rPr>
+              <a:t>の</a:t>
+            </a:r>
+            <a:r>
+              <a:rPr kumimoji="1" lang="en-US" altLang="ja-JP" sz="900" dirty="0">
+                <a:solidFill>
+                  <a:schemeClr val="dk1"/>
+                </a:solidFill>
+              </a:rPr>
+              <a:t>knowledge</a:t>
+            </a:r>
+            <a:r>
+              <a:rPr kumimoji="1" lang="ja-JP" altLang="en-US" sz="900" dirty="0">
+                <a:solidFill>
+                  <a:schemeClr val="dk1"/>
+                </a:solidFill>
+              </a:rPr>
+              <a:t>ベースについては公式ドキュメントを参照のこと</a:t>
+            </a:r>
+            <a:endParaRPr kumimoji="1" lang="en-US" altLang="ja-JP" sz="900" dirty="0">
+              <a:solidFill>
+                <a:schemeClr val="dk1"/>
+              </a:solidFill>
+            </a:endParaRPr>
+          </a:p>
+          <a:p>
+            <a:r>
+              <a:rPr kumimoji="1" lang="en-US" altLang="ja-JP" sz="900" dirty="0">
+                <a:solidFill>
+                  <a:schemeClr val="dk1"/>
+                </a:solidFill>
+                <a:hlinkClick r:id="rId3"/>
+              </a:rPr>
+              <a:t>https://docs.dify.ai/guides/knowledge-base</a:t>
+            </a:r>
+            <a:endParaRPr kumimoji="1" lang="ja-JP" altLang="en-US" sz="900" dirty="0">
+              <a:solidFill>
+                <a:schemeClr val="dk1"/>
+              </a:solidFill>
+            </a:endParaRPr>
+          </a:p>
+        </p:txBody>
+      </p:sp>
+      <p:pic>
+        <p:nvPicPr>
+          <p:cNvPr id="19" name="図 18" descr="グラフィカル ユーザー インターフェイス, テキスト&#10;&#10;AI によって生成されたコンテンツは間違っている可能性があります。">
+            <a:extLst>
+              <a:ext uri="{FF2B5EF4-FFF2-40B4-BE49-F238E27FC236}">
+                <a16:creationId xmlns:a16="http://schemas.microsoft.com/office/drawing/2014/main" id="{1ED19644-490E-0340-E154-ECA5DEAC1E1D}"/>
+              </a:ext>
+            </a:extLst>
+          </p:cNvPr>
+          <p:cNvPicPr>
+            <a:picLocks noChangeAspect="1"/>
+          </p:cNvPicPr>
+          <p:nvPr/>
+        </p:nvPicPr>
+        <p:blipFill>
+          <a:blip r:embed="rId4"/>
+          <a:srcRect l="21985" t="26095" r="22721" b="21811"/>
+          <a:stretch/>
+        </p:blipFill>
+        <p:spPr>
+          <a:xfrm>
+            <a:off x="459114" y="3710279"/>
+            <a:ext cx="5719495" cy="2579168"/>
+          </a:xfrm>
+          <a:prstGeom prst="rect">
+            <a:avLst/>
+          </a:prstGeom>
+        </p:spPr>
+      </p:pic>
+      <p:sp>
+        <p:nvSpPr>
+          <p:cNvPr id="9" name="吹き出し: 線 8">
+            <a:extLst>
+              <a:ext uri="{FF2B5EF4-FFF2-40B4-BE49-F238E27FC236}">
+                <a16:creationId xmlns:a16="http://schemas.microsoft.com/office/drawing/2014/main" id="{45FDBBFA-1C91-B496-6752-EF076F3A553D}"/>
+              </a:ext>
+            </a:extLst>
+          </p:cNvPr>
+          <p:cNvSpPr/>
+          <p:nvPr/>
+        </p:nvSpPr>
+        <p:spPr>
+          <a:xfrm>
+            <a:off x="5074021" y="2494612"/>
+            <a:ext cx="1104588" cy="320308"/>
+          </a:xfrm>
+          <a:prstGeom prst="borderCallout1">
+            <a:avLst>
+              <a:gd name="adj1" fmla="val -82470"/>
+              <a:gd name="adj2" fmla="val 114800"/>
+              <a:gd name="adj3" fmla="val -21730"/>
+              <a:gd name="adj4" fmla="val 95885"/>
+            </a:avLst>
+          </a:prstGeom>
+          <a:solidFill>
+            <a:srgbClr val="FFFF00"/>
+          </a:solidFill>
+          <a:ln w="19050">
+            <a:solidFill>
+              <a:srgbClr val="C00000"/>
+            </a:solidFill>
+          </a:ln>
+        </p:spPr>
+        <p:style>
+          <a:lnRef idx="2">
+            <a:schemeClr val="dk1"/>
+          </a:lnRef>
+          <a:fillRef idx="1">
+            <a:schemeClr val="lt1"/>
+          </a:fillRef>
+          <a:effectRef idx="0">
+            <a:schemeClr val="dk1"/>
+          </a:effectRef>
+          <a:fontRef idx="minor">
+            <a:schemeClr val="dk1"/>
+          </a:fontRef>
+        </p:style>
+        <p:txBody>
+          <a:bodyPr rtlCol="0" anchor="ctr"/>
+          <a:lstStyle/>
+          <a:p>
+            <a:pPr algn="ctr"/>
+            <a:r>
+              <a:rPr kumimoji="1" lang="ja-JP" altLang="en-US" sz="900" dirty="0">
+                <a:solidFill>
+                  <a:schemeClr val="dk1"/>
+                </a:solidFill>
+              </a:rPr>
+              <a:t>文書登録時</a:t>
+            </a:r>
+            <a:r>
+              <a:rPr lang="ja-JP" altLang="en-US" sz="900" dirty="0"/>
+              <a:t>の</a:t>
+            </a:r>
+            <a:r>
+              <a:rPr kumimoji="1" lang="ja-JP" altLang="en-US" sz="900" dirty="0">
+                <a:solidFill>
+                  <a:schemeClr val="dk1"/>
+                </a:solidFill>
+              </a:rPr>
+              <a:t>画面</a:t>
+            </a:r>
+            <a:endParaRPr kumimoji="1" lang="en-US" altLang="ja-JP" sz="900" dirty="0">
+              <a:solidFill>
+                <a:schemeClr val="dk1"/>
+              </a:solidFill>
+            </a:endParaRPr>
+          </a:p>
+        </p:txBody>
+      </p:sp>
+      <p:sp>
+        <p:nvSpPr>
+          <p:cNvPr id="20" name="吹き出し: 線 19">
+            <a:extLst>
+              <a:ext uri="{FF2B5EF4-FFF2-40B4-BE49-F238E27FC236}">
+                <a16:creationId xmlns:a16="http://schemas.microsoft.com/office/drawing/2014/main" id="{E5BD8EFD-0997-0479-7F69-F7BD732AE9ED}"/>
+              </a:ext>
+            </a:extLst>
+          </p:cNvPr>
+          <p:cNvSpPr/>
+          <p:nvPr/>
+        </p:nvSpPr>
+        <p:spPr>
+          <a:xfrm>
+            <a:off x="1932643" y="4434299"/>
+            <a:ext cx="1333505" cy="906042"/>
+          </a:xfrm>
+          <a:prstGeom prst="borderCallout1">
+            <a:avLst>
+              <a:gd name="adj1" fmla="val -44345"/>
+              <a:gd name="adj2" fmla="val 110135"/>
+              <a:gd name="adj3" fmla="val -13630"/>
+              <a:gd name="adj4" fmla="val 90356"/>
+            </a:avLst>
+          </a:prstGeom>
+          <a:solidFill>
+            <a:srgbClr val="FFFF00"/>
+          </a:solidFill>
+          <a:ln w="19050">
+            <a:solidFill>
+              <a:srgbClr val="C00000"/>
+            </a:solidFill>
+          </a:ln>
+        </p:spPr>
+        <p:style>
+          <a:lnRef idx="2">
+            <a:schemeClr val="dk1"/>
+          </a:lnRef>
+          <a:fillRef idx="1">
+            <a:schemeClr val="lt1"/>
+          </a:fillRef>
+          <a:effectRef idx="0">
+            <a:schemeClr val="dk1"/>
+          </a:effectRef>
+          <a:fontRef idx="minor">
+            <a:schemeClr val="dk1"/>
+          </a:fontRef>
+        </p:style>
+        <p:txBody>
+          <a:bodyPr rtlCol="0" anchor="ctr"/>
+          <a:lstStyle/>
+          <a:p>
+            <a:pPr algn="ctr"/>
+            <a:r>
+              <a:rPr kumimoji="1" lang="ja-JP" altLang="en-US" sz="900" dirty="0">
+                <a:solidFill>
+                  <a:schemeClr val="dk1"/>
+                </a:solidFill>
+              </a:rPr>
+              <a:t>チャンク取得時の</a:t>
+            </a:r>
+            <a:endParaRPr kumimoji="1" lang="en-US" altLang="ja-JP" sz="900" dirty="0">
+              <a:solidFill>
+                <a:schemeClr val="dk1"/>
+              </a:solidFill>
+            </a:endParaRPr>
+          </a:p>
+          <a:p>
+            <a:pPr algn="ctr"/>
+            <a:r>
+              <a:rPr lang="en-US" altLang="ja-JP" sz="900" dirty="0"/>
+              <a:t>HTTP</a:t>
+            </a:r>
+            <a:r>
+              <a:rPr lang="ja-JP" altLang="en-US" sz="900" dirty="0"/>
+              <a:t>リクエスト設定</a:t>
+            </a:r>
+            <a:endParaRPr lang="en-US" altLang="ja-JP" sz="900" dirty="0"/>
+          </a:p>
+          <a:p>
+            <a:pPr algn="ctr"/>
+            <a:endParaRPr kumimoji="1" lang="en-US" altLang="ja-JP" sz="900" dirty="0">
+              <a:solidFill>
+                <a:schemeClr val="dk1"/>
+              </a:solidFill>
+            </a:endParaRPr>
+          </a:p>
+          <a:p>
+            <a:pPr algn="ctr"/>
+            <a:r>
+              <a:rPr lang="ja-JP" altLang="en-US" sz="900" dirty="0"/>
+              <a:t>取得するチャンク数を</a:t>
+            </a:r>
+            <a:endParaRPr lang="en-US" altLang="ja-JP" sz="900" dirty="0"/>
+          </a:p>
+          <a:p>
+            <a:pPr algn="ctr"/>
+            <a:r>
+              <a:rPr lang="ja-JP" altLang="en-US" sz="900" dirty="0"/>
+              <a:t>変更する際は</a:t>
+            </a:r>
+            <a:r>
+              <a:rPr lang="en-US" altLang="ja-JP" sz="900" dirty="0"/>
+              <a:t> </a:t>
+            </a:r>
+            <a:r>
+              <a:rPr lang="en-US" altLang="ja-JP" sz="900" b="0" i="0" dirty="0" err="1">
+                <a:solidFill>
+                  <a:srgbClr val="18181B"/>
+                </a:solidFill>
+                <a:effectLst/>
+                <a:latin typeface="ui-monospace"/>
+              </a:rPr>
+              <a:t>top_k</a:t>
+            </a:r>
+            <a:r>
+              <a:rPr lang="en-US" altLang="ja-JP" sz="900" b="0" i="0" dirty="0">
+                <a:effectLst/>
+                <a:latin typeface="ui-monospace"/>
+              </a:rPr>
+              <a:t> </a:t>
+            </a:r>
+            <a:r>
+              <a:rPr lang="ja-JP" altLang="en-US" sz="900" b="0" i="0" dirty="0">
+                <a:effectLst/>
+                <a:latin typeface="ui-monospace"/>
+              </a:rPr>
+              <a:t>の</a:t>
+            </a:r>
+            <a:endParaRPr lang="en-US" altLang="ja-JP" sz="900" b="0" i="0" dirty="0">
+              <a:effectLst/>
+              <a:latin typeface="ui-monospace"/>
+            </a:endParaRPr>
+          </a:p>
+          <a:p>
+            <a:pPr algn="ctr"/>
+            <a:r>
+              <a:rPr lang="ja-JP" altLang="en-US" sz="900" b="0" i="0" dirty="0">
+                <a:effectLst/>
+                <a:latin typeface="ui-monospace"/>
+              </a:rPr>
+              <a:t>数値を調整</a:t>
+            </a:r>
+            <a:endParaRPr lang="en-US" altLang="ja-JP" sz="900" b="0" i="0" dirty="0">
+              <a:effectLst/>
+              <a:latin typeface="ui-monospace"/>
+            </a:endParaRPr>
+          </a:p>
+        </p:txBody>
+      </p:sp>
+      <p:sp>
+        <p:nvSpPr>
+          <p:cNvPr id="21" name="正方形/長方形 20">
+            <a:extLst>
+              <a:ext uri="{FF2B5EF4-FFF2-40B4-BE49-F238E27FC236}">
+                <a16:creationId xmlns:a16="http://schemas.microsoft.com/office/drawing/2014/main" id="{CB53D0B4-5658-9C2A-0E04-A13D81D87567}"/>
+              </a:ext>
+            </a:extLst>
+          </p:cNvPr>
+          <p:cNvSpPr/>
+          <p:nvPr/>
+        </p:nvSpPr>
+        <p:spPr>
+          <a:xfrm>
+            <a:off x="3476393" y="3895991"/>
+            <a:ext cx="2601928" cy="2393455"/>
+          </a:xfrm>
+          <a:prstGeom prst="rect">
+            <a:avLst/>
+          </a:prstGeom>
+          <a:noFill/>
+          <a:ln w="19050">
+            <a:solidFill>
+              <a:srgbClr val="C00000"/>
+            </a:solidFill>
+          </a:ln>
+        </p:spPr>
+        <p:style>
+          <a:lnRef idx="2">
+            <a:schemeClr val="dk1"/>
+          </a:lnRef>
+          <a:fillRef idx="1">
+            <a:schemeClr val="lt1"/>
+          </a:fillRef>
+          <a:effectRef idx="0">
+            <a:schemeClr val="dk1"/>
+          </a:effectRef>
+          <a:fontRef idx="minor">
+            <a:schemeClr val="dk1"/>
+          </a:fontRef>
+        </p:style>
+        <p:txBody>
+          <a:bodyPr rtlCol="0" anchor="ctr"/>
+          <a:lstStyle/>
+          <a:p>
+            <a:pPr algn="ctr"/>
+            <a:endParaRPr kumimoji="1" lang="ja-JP" altLang="en-US" sz="900" dirty="0">
+              <a:solidFill>
+                <a:schemeClr val="dk1"/>
+              </a:solidFill>
+            </a:endParaRPr>
+          </a:p>
+        </p:txBody>
+      </p:sp>
+    </p:spTree>
+    <p:extLst>
+      <p:ext uri="{BB962C8B-B14F-4D97-AF65-F5344CB8AC3E}">
+        <p14:creationId xmlns:p14="http://schemas.microsoft.com/office/powerpoint/2010/main" val="1604977024"/>
+      </p:ext>
+    </p:extLst>
+  </p:cSld>
+  <p:clrMapOvr>
+    <a:masterClrMapping/>
+  </p:clrMapOvr>
+</p:sld>
+</file>
+
+<file path=ppt/slides/slide14.xml><?xml version="1.0" encoding="utf-8"?>
+<p:sld xmlns:a="http://schemas.openxmlformats.org/drawingml/2006/main" xmlns:r="http://schemas.openxmlformats.org/officeDocument/2006/relationships" xmlns:p="http://schemas.openxmlformats.org/presentationml/2006/main">
+  <p:cSld>
+    <p:spTree>
+      <p:nvGrpSpPr>
+        <p:cNvPr id="1" name="">
+          <a:extLst>
+            <a:ext uri="{FF2B5EF4-FFF2-40B4-BE49-F238E27FC236}">
+              <a16:creationId xmlns:a16="http://schemas.microsoft.com/office/drawing/2014/main" id="{267EEBC5-8685-435E-2387-E0BD6456FF5F}"/>
             </a:ext>
           </a:extLst>
         </p:cNvPr>
@@ -9011,7 +11088,7 @@
           <p:cNvPr id="4" name="タイトル 1">
             <a:extLst>
               <a:ext uri="{FF2B5EF4-FFF2-40B4-BE49-F238E27FC236}">
-                <a16:creationId xmlns:a16="http://schemas.microsoft.com/office/drawing/2014/main" id="{89471C0F-9EEE-9286-5D6F-8F8C4C127221}"/>
+                <a16:creationId xmlns:a16="http://schemas.microsoft.com/office/drawing/2014/main" id="{91197588-CC79-5F58-5E2D-038E2687AEF3}"/>
               </a:ext>
             </a:extLst>
           </p:cNvPr>
@@ -9051,7 +11128,7 @@
           <p:cNvPr id="20" name="フッター プレースホルダー 3">
             <a:extLst>
               <a:ext uri="{FF2B5EF4-FFF2-40B4-BE49-F238E27FC236}">
-                <a16:creationId xmlns:a16="http://schemas.microsoft.com/office/drawing/2014/main" id="{325ED3E9-B3E6-F4D6-F8B1-7E0F0D0CE154}"/>
+                <a16:creationId xmlns:a16="http://schemas.microsoft.com/office/drawing/2014/main" id="{226A3BDA-48E7-5335-1458-488EEDD4F7A7}"/>
               </a:ext>
             </a:extLst>
           </p:cNvPr>
@@ -9085,7 +11162,7 @@
           <p:cNvPr id="24" name="スライド番号プレースホルダー 3">
             <a:extLst>
               <a:ext uri="{FF2B5EF4-FFF2-40B4-BE49-F238E27FC236}">
-                <a16:creationId xmlns:a16="http://schemas.microsoft.com/office/drawing/2014/main" id="{C0E387E0-5594-93AC-EBEC-A89CB8A67C54}"/>
+                <a16:creationId xmlns:a16="http://schemas.microsoft.com/office/drawing/2014/main" id="{15F6397A-5DF5-AC3C-6D92-226026040D7A}"/>
               </a:ext>
             </a:extLst>
           </p:cNvPr>
@@ -9108,7 +11185,7 @@
           <a:p>
             <a:fld id="{0AF7E18D-A281-EF4E-83EF-D7811667EA6C}" type="slidenum">
               <a:rPr kumimoji="1" lang="ja-JP" altLang="en-US" smtClean="0"/>
-              <a:t>12</a:t>
+              <a:t>14</a:t>
             </a:fld>
             <a:endParaRPr kumimoji="1" lang="ja-JP" altLang="en-US"/>
           </a:p>
@@ -9119,7 +11196,7 @@
           <p:cNvPr id="7" name="正方形/長方形 6">
             <a:extLst>
               <a:ext uri="{FF2B5EF4-FFF2-40B4-BE49-F238E27FC236}">
-                <a16:creationId xmlns:a16="http://schemas.microsoft.com/office/drawing/2014/main" id="{6D107493-6FB2-A7F4-F969-8FAF576AD9AE}"/>
+                <a16:creationId xmlns:a16="http://schemas.microsoft.com/office/drawing/2014/main" id="{E3116AE3-6170-9F6C-83E2-CA51A7B40E0C}"/>
               </a:ext>
             </a:extLst>
           </p:cNvPr>
@@ -9173,7 +11250,7 @@
           <p:cNvPr id="6" name="吹き出し: 線 5">
             <a:extLst>
               <a:ext uri="{FF2B5EF4-FFF2-40B4-BE49-F238E27FC236}">
-                <a16:creationId xmlns:a16="http://schemas.microsoft.com/office/drawing/2014/main" id="{A10AD895-5632-9A7C-15FC-F959FDD619D5}"/>
+                <a16:creationId xmlns:a16="http://schemas.microsoft.com/office/drawing/2014/main" id="{21A4F8FF-CA61-DC5F-9C5F-6D9D740FD948}"/>
               </a:ext>
             </a:extLst>
           </p:cNvPr>
@@ -9254,7 +11331,7 @@
           <p:cNvPr id="2" name="図 1">
             <a:extLst>
               <a:ext uri="{FF2B5EF4-FFF2-40B4-BE49-F238E27FC236}">
-                <a16:creationId xmlns:a16="http://schemas.microsoft.com/office/drawing/2014/main" id="{3CB60FC3-9138-0C4A-BCF4-62255620CE16}"/>
+                <a16:creationId xmlns:a16="http://schemas.microsoft.com/office/drawing/2014/main" id="{56456F6B-B571-1D97-EE48-C2AA1B2B0750}"/>
               </a:ext>
             </a:extLst>
           </p:cNvPr>
@@ -9288,7 +11365,7 @@
           <p:cNvPr id="5" name="図 4">
             <a:extLst>
               <a:ext uri="{FF2B5EF4-FFF2-40B4-BE49-F238E27FC236}">
-                <a16:creationId xmlns:a16="http://schemas.microsoft.com/office/drawing/2014/main" id="{7C124EA0-8480-8FC2-6760-37272A1F6A92}"/>
+                <a16:creationId xmlns:a16="http://schemas.microsoft.com/office/drawing/2014/main" id="{EAE557ED-818C-0FF0-6E2E-89B85AD1F556}"/>
               </a:ext>
             </a:extLst>
           </p:cNvPr>
@@ -9323,7 +11400,7 @@
           <p:cNvPr id="8" name="コンテンツ プレースホルダー 6">
             <a:extLst>
               <a:ext uri="{FF2B5EF4-FFF2-40B4-BE49-F238E27FC236}">
-                <a16:creationId xmlns:a16="http://schemas.microsoft.com/office/drawing/2014/main" id="{784AB592-56B7-500B-6AAB-10841A31D3EE}"/>
+                <a16:creationId xmlns:a16="http://schemas.microsoft.com/office/drawing/2014/main" id="{80D8535A-36DF-7262-D349-8269C4629D83}"/>
               </a:ext>
             </a:extLst>
           </p:cNvPr>
@@ -9598,7 +11675,7 @@
           <p:cNvPr id="3" name="正方形/長方形 2">
             <a:extLst>
               <a:ext uri="{FF2B5EF4-FFF2-40B4-BE49-F238E27FC236}">
-                <a16:creationId xmlns:a16="http://schemas.microsoft.com/office/drawing/2014/main" id="{9769D15F-E76D-1FE6-196B-F615A1984A89}"/>
+                <a16:creationId xmlns:a16="http://schemas.microsoft.com/office/drawing/2014/main" id="{FC7883C3-C4EE-FA1A-CC3E-F33B40AB0DBD}"/>
               </a:ext>
             </a:extLst>
           </p:cNvPr>
@@ -9645,39 +11722,20 @@
                   <a:srgbClr val="FF0000"/>
                 </a:solidFill>
               </a:rPr>
-              <a:t>残す？</a:t>
-            </a:r>
-            <a:endParaRPr lang="en-US" altLang="ja-JP" sz="6000" dirty="0">
+              <a:t>修正前シート</a:t>
+            </a:r>
+            <a:endParaRPr kumimoji="1" lang="ja-JP" altLang="en-US" sz="6000" dirty="0">
               <a:solidFill>
                 <a:srgbClr val="FF0000"/>
               </a:solidFill>
             </a:endParaRPr>
-          </a:p>
-          <a:p>
-            <a:pPr algn="ctr"/>
-            <a:r>
-              <a:rPr lang="ja-JP" altLang="en-US" sz="6000" dirty="0">
-                <a:solidFill>
-                  <a:srgbClr val="FF0000"/>
-                </a:solidFill>
-              </a:rPr>
-              <a:t>検討中</a:t>
-            </a:r>
-            <a:r>
-              <a:rPr kumimoji="1" lang="ja-JP" altLang="en-US" sz="6000" dirty="0">
-                <a:solidFill>
-                  <a:srgbClr val="FF0000"/>
-                </a:solidFill>
-              </a:rPr>
-              <a:t>シート</a:t>
-            </a:r>
           </a:p>
         </p:txBody>
       </p:sp>
     </p:spTree>
     <p:extLst>
       <p:ext uri="{BB962C8B-B14F-4D97-AF65-F5344CB8AC3E}">
-        <p14:creationId xmlns:p14="http://schemas.microsoft.com/office/powerpoint/2010/main" val="2676087129"/>
+        <p14:creationId xmlns:p14="http://schemas.microsoft.com/office/powerpoint/2010/main" val="896363274"/>
       </p:ext>
     </p:extLst>
   </p:cSld>
@@ -9687,7 +11745,7 @@
 </p:sld>
 </file>
 
-<file path=ppt/slides/slide13.xml><?xml version="1.0" encoding="utf-8"?>
+<file path=ppt/slides/slide15.xml><?xml version="1.0" encoding="utf-8"?>
 <p:sld xmlns:a="http://schemas.openxmlformats.org/drawingml/2006/main" xmlns:r="http://schemas.openxmlformats.org/officeDocument/2006/relationships" xmlns:p="http://schemas.openxmlformats.org/presentationml/2006/main">
   <p:cSld>
     <p:spTree>
@@ -9695,7 +11753,7 @@
         <p:cNvPr id="1" name="">
           <a:extLst>
             <a:ext uri="{FF2B5EF4-FFF2-40B4-BE49-F238E27FC236}">
-              <a16:creationId xmlns:a16="http://schemas.microsoft.com/office/drawing/2014/main" id="{B55D85B0-0B69-AC40-614D-DF4755E2F267}"/>
+              <a16:creationId xmlns:a16="http://schemas.microsoft.com/office/drawing/2014/main" id="{B8F93E64-6F2C-E398-D992-3A574BB73B45}"/>
             </a:ext>
           </a:extLst>
         </p:cNvPr>
@@ -9715,7 +11773,7 @@
           <p:cNvPr id="6" name="タイトル 5">
             <a:extLst>
               <a:ext uri="{FF2B5EF4-FFF2-40B4-BE49-F238E27FC236}">
-                <a16:creationId xmlns:a16="http://schemas.microsoft.com/office/drawing/2014/main" id="{D7E565B1-C09A-EA40-2866-1DEF411F0ACD}"/>
+                <a16:creationId xmlns:a16="http://schemas.microsoft.com/office/drawing/2014/main" id="{992C1963-A51A-FB05-3BA3-0471662F836D}"/>
               </a:ext>
             </a:extLst>
           </p:cNvPr>
@@ -9757,7 +11815,7 @@
           <p:cNvPr id="4" name="スライド番号プレースホルダー 3">
             <a:extLst>
               <a:ext uri="{FF2B5EF4-FFF2-40B4-BE49-F238E27FC236}">
-                <a16:creationId xmlns:a16="http://schemas.microsoft.com/office/drawing/2014/main" id="{8E5960DD-E810-D205-D3C9-C20A89641E0A}"/>
+                <a16:creationId xmlns:a16="http://schemas.microsoft.com/office/drawing/2014/main" id="{B5849307-8E42-7923-463C-74524C78B1A3}"/>
               </a:ext>
             </a:extLst>
           </p:cNvPr>
@@ -9775,7 +11833,7 @@
           <a:p>
             <a:fld id="{0AF7E18D-A281-EF4E-83EF-D7811667EA6C}" type="slidenum">
               <a:rPr kumimoji="1" lang="ja-JP" altLang="en-US" smtClean="0"/>
-              <a:t>13</a:t>
+              <a:t>15</a:t>
             </a:fld>
             <a:endParaRPr kumimoji="1" lang="ja-JP" altLang="en-US"/>
           </a:p>
@@ -9786,7 +11844,7 @@
           <p:cNvPr id="22" name="コンテンツ プレースホルダー 6">
             <a:extLst>
               <a:ext uri="{FF2B5EF4-FFF2-40B4-BE49-F238E27FC236}">
-                <a16:creationId xmlns:a16="http://schemas.microsoft.com/office/drawing/2014/main" id="{9A5A9CB1-50A1-6DCE-167B-F069E1650BF1}"/>
+                <a16:creationId xmlns:a16="http://schemas.microsoft.com/office/drawing/2014/main" id="{76A5914B-9017-CB0D-2287-9A3437F0A8FB}"/>
               </a:ext>
             </a:extLst>
           </p:cNvPr>
@@ -9930,7 +11988,7 @@
           <p:cNvPr id="7" name="フッター プレースホルダー 3">
             <a:extLst>
               <a:ext uri="{FF2B5EF4-FFF2-40B4-BE49-F238E27FC236}">
-                <a16:creationId xmlns:a16="http://schemas.microsoft.com/office/drawing/2014/main" id="{2B102E64-711D-0BFC-A0D9-BB0A76899E49}"/>
+                <a16:creationId xmlns:a16="http://schemas.microsoft.com/office/drawing/2014/main" id="{C0CC7AB5-8070-0270-EB7A-8E57A0DF45FE}"/>
               </a:ext>
             </a:extLst>
           </p:cNvPr>
@@ -9964,7 +12022,7 @@
           <p:cNvPr id="3" name="図 2" descr="グラフィカル ユーザー インターフェイス, テキスト, アプリケーション&#10;&#10;AI によって生成されたコンテンツは間違っている可能性があります。">
             <a:extLst>
               <a:ext uri="{FF2B5EF4-FFF2-40B4-BE49-F238E27FC236}">
-                <a16:creationId xmlns:a16="http://schemas.microsoft.com/office/drawing/2014/main" id="{112ECCF4-6F20-8BAB-F6ED-9FCBD41D7B12}"/>
+                <a16:creationId xmlns:a16="http://schemas.microsoft.com/office/drawing/2014/main" id="{EF8B143A-127A-B61C-955C-707BFDCBD9DA}"/>
               </a:ext>
             </a:extLst>
           </p:cNvPr>
@@ -9989,10 +12047,72 @@
           </a:prstGeom>
         </p:spPr>
       </p:pic>
+      <p:sp>
+        <p:nvSpPr>
+          <p:cNvPr id="2" name="正方形/長方形 1">
+            <a:extLst>
+              <a:ext uri="{FF2B5EF4-FFF2-40B4-BE49-F238E27FC236}">
+                <a16:creationId xmlns:a16="http://schemas.microsoft.com/office/drawing/2014/main" id="{9346AD60-F292-44B2-AC4C-E8E06B76EF61}"/>
+              </a:ext>
+            </a:extLst>
+          </p:cNvPr>
+          <p:cNvSpPr/>
+          <p:nvPr/>
+        </p:nvSpPr>
+        <p:spPr>
+          <a:xfrm>
+            <a:off x="107576" y="107576"/>
+            <a:ext cx="11940989" cy="6411758"/>
+          </a:xfrm>
+          <a:prstGeom prst="rect">
+            <a:avLst/>
+          </a:prstGeom>
+          <a:solidFill>
+            <a:srgbClr val="7F7F7F">
+              <a:alpha val="76078"/>
+            </a:srgbClr>
+          </a:solidFill>
+          <a:ln w="9525"/>
+        </p:spPr>
+        <p:style>
+          <a:lnRef idx="2">
+            <a:schemeClr val="dk1"/>
+          </a:lnRef>
+          <a:fillRef idx="1">
+            <a:schemeClr val="lt1"/>
+          </a:fillRef>
+          <a:effectRef idx="0">
+            <a:schemeClr val="dk1"/>
+          </a:effectRef>
+          <a:fontRef idx="minor">
+            <a:schemeClr val="dk1"/>
+          </a:fontRef>
+        </p:style>
+        <p:txBody>
+          <a:bodyPr rtlCol="0" anchor="ctr"/>
+          <a:lstStyle/>
+          <a:p>
+            <a:pPr algn="ctr"/>
+            <a:r>
+              <a:rPr lang="ja-JP" altLang="en-US" sz="6000" dirty="0">
+                <a:solidFill>
+                  <a:srgbClr val="FF0000"/>
+                </a:solidFill>
+              </a:rPr>
+              <a:t>修正前シート</a:t>
+            </a:r>
+            <a:endParaRPr kumimoji="1" lang="ja-JP" altLang="en-US" sz="6000" dirty="0">
+              <a:solidFill>
+                <a:srgbClr val="FF0000"/>
+              </a:solidFill>
+            </a:endParaRPr>
+          </a:p>
+        </p:txBody>
+      </p:sp>
     </p:spTree>
     <p:extLst>
       <p:ext uri="{BB962C8B-B14F-4D97-AF65-F5344CB8AC3E}">
-        <p14:creationId xmlns:p14="http://schemas.microsoft.com/office/powerpoint/2010/main" val="4032912495"/>
+        <p14:creationId xmlns:p14="http://schemas.microsoft.com/office/powerpoint/2010/main" val="821523392"/>
       </p:ext>
     </p:extLst>
   </p:cSld>
@@ -10002,7 +12122,7 @@
 </p:sld>
 </file>
 
-<file path=ppt/slides/slide14.xml><?xml version="1.0" encoding="utf-8"?>
+<file path=ppt/slides/slide16.xml><?xml version="1.0" encoding="utf-8"?>
 <p:sld xmlns:a="http://schemas.openxmlformats.org/drawingml/2006/main" xmlns:r="http://schemas.openxmlformats.org/officeDocument/2006/relationships" xmlns:p="http://schemas.openxmlformats.org/presentationml/2006/main">
   <p:cSld>
     <p:spTree>
@@ -10082,7 +12202,7 @@
           <a:p>
             <a:fld id="{0AF7E18D-A281-EF4E-83EF-D7811667EA6C}" type="slidenum">
               <a:rPr kumimoji="1" lang="ja-JP" altLang="en-US" smtClean="0"/>
-              <a:t>14</a:t>
+              <a:t>16</a:t>
             </a:fld>
             <a:endParaRPr kumimoji="1" lang="ja-JP" altLang="en-US"/>
           </a:p>
@@ -11721,7 +13841,7 @@
 </p:sld>
 </file>
 
-<file path=ppt/slides/slide15.xml><?xml version="1.0" encoding="utf-8"?>
+<file path=ppt/slides/slide17.xml><?xml version="1.0" encoding="utf-8"?>
 <p:sld xmlns:a="http://schemas.openxmlformats.org/drawingml/2006/main" xmlns:r="http://schemas.openxmlformats.org/officeDocument/2006/relationships" xmlns:p="http://schemas.openxmlformats.org/presentationml/2006/main">
   <p:cSld>
     <p:spTree>
@@ -11809,7 +13929,7 @@
           <a:p>
             <a:fld id="{0AF7E18D-A281-EF4E-83EF-D7811667EA6C}" type="slidenum">
               <a:rPr kumimoji="1" lang="ja-JP" altLang="en-US" smtClean="0"/>
-              <a:t>15</a:t>
+              <a:t>17</a:t>
             </a:fld>
             <a:endParaRPr kumimoji="1" lang="ja-JP" altLang="en-US"/>
           </a:p>
@@ -26729,6 +28849,12 @@
 </file>
 
 <file path=customXml/item1.xml><?xml version="1.0" encoding="utf-8"?>
+<p:properties xmlns:p="http://schemas.microsoft.com/office/2006/metadata/properties" xmlns:xsi="http://www.w3.org/2001/XMLSchema-instance" xmlns:pc="http://schemas.microsoft.com/office/infopath/2007/PartnerControls">
+  <documentManagement/>
+</p:properties>
+</file>
+
+<file path=customXml/item2.xml><?xml version="1.0" encoding="utf-8"?>
 <ct:contentTypeSchema xmlns:ct="http://schemas.microsoft.com/office/2006/metadata/contentType" xmlns:ma="http://schemas.microsoft.com/office/2006/metadata/properties/metaAttributes" ct:_="" ma:_="" ma:contentTypeName="ドキュメント" ma:contentTypeID="0x01010089D8B536ABC073409CEE60D60C8E2AF8" ma:contentTypeVersion="4" ma:contentTypeDescription="新しいドキュメントを作成します。" ma:contentTypeScope="" ma:versionID="7a800ea03744100c943462012bc543a0">
   <xsd:schema xmlns:xsd="http://www.w3.org/2001/XMLSchema" xmlns:xs="http://www.w3.org/2001/XMLSchema" xmlns:p="http://schemas.microsoft.com/office/2006/metadata/properties" xmlns:ns2="1d14eb46-2ed3-41fd-8d0b-c7c0c9e1f8f5" targetNamespace="http://schemas.microsoft.com/office/2006/metadata/properties" ma:root="true" ma:fieldsID="7f83d624d38609e0eea52d3fab789610" ns2:_="">
     <xsd:import namespace="1d14eb46-2ed3-41fd-8d0b-c7c0c9e1f8f5"/>
@@ -26872,12 +28998,6 @@
 </ct:contentTypeSchema>
 </file>
 
-<file path=customXml/item2.xml><?xml version="1.0" encoding="utf-8"?>
-<p:properties xmlns:p="http://schemas.microsoft.com/office/2006/metadata/properties" xmlns:xsi="http://www.w3.org/2001/XMLSchema-instance" xmlns:pc="http://schemas.microsoft.com/office/infopath/2007/PartnerControls">
-  <documentManagement/>
-</p:properties>
-</file>
-
 <file path=customXml/item3.xml><?xml version="1.0" encoding="utf-8"?>
 <?mso-contentType ?>
 <FormTemplates xmlns="http://schemas.microsoft.com/sharepoint/v3/contenttype/forms">
@@ -26888,6 +29008,22 @@
 </file>
 
 <file path=customXml/itemProps1.xml><?xml version="1.0" encoding="utf-8"?>
+<ds:datastoreItem xmlns:ds="http://schemas.openxmlformats.org/officeDocument/2006/customXml" ds:itemID="{600DF4B1-B8DA-4F77-88EA-AB9843936E94}">
+  <ds:schemaRefs>
+    <ds:schemaRef ds:uri="http://purl.org/dc/elements/1.1/"/>
+    <ds:schemaRef ds:uri="http://www.w3.org/XML/1998/namespace"/>
+    <ds:schemaRef ds:uri="http://purl.org/dc/terms/"/>
+    <ds:schemaRef ds:uri="http://purl.org/dc/dcmitype/"/>
+    <ds:schemaRef ds:uri="1d14eb46-2ed3-41fd-8d0b-c7c0c9e1f8f5"/>
+    <ds:schemaRef ds:uri="http://schemas.openxmlformats.org/package/2006/metadata/core-properties"/>
+    <ds:schemaRef ds:uri="http://schemas.microsoft.com/office/2006/documentManagement/types"/>
+    <ds:schemaRef ds:uri="http://schemas.microsoft.com/office/infopath/2007/PartnerControls"/>
+    <ds:schemaRef ds:uri="http://schemas.microsoft.com/office/2006/metadata/properties"/>
+  </ds:schemaRefs>
+</ds:datastoreItem>
+</file>
+
+<file path=customXml/itemProps2.xml><?xml version="1.0" encoding="utf-8"?>
 <ds:datastoreItem xmlns:ds="http://schemas.openxmlformats.org/officeDocument/2006/customXml" ds:itemID="{E0BCB13B-4E80-421A-BA9B-DA85C2710CEF}">
   <ds:schemaRefs>
     <ds:schemaRef ds:uri="http://schemas.microsoft.com/office/2006/metadata/contentType"/>
@@ -26905,22 +29041,6 @@
 </ds:datastoreItem>
 </file>
 
-<file path=customXml/itemProps2.xml><?xml version="1.0" encoding="utf-8"?>
-<ds:datastoreItem xmlns:ds="http://schemas.openxmlformats.org/officeDocument/2006/customXml" ds:itemID="{600DF4B1-B8DA-4F77-88EA-AB9843936E94}">
-  <ds:schemaRefs>
-    <ds:schemaRef ds:uri="http://purl.org/dc/elements/1.1/"/>
-    <ds:schemaRef ds:uri="http://www.w3.org/XML/1998/namespace"/>
-    <ds:schemaRef ds:uri="http://purl.org/dc/terms/"/>
-    <ds:schemaRef ds:uri="http://purl.org/dc/dcmitype/"/>
-    <ds:schemaRef ds:uri="1d14eb46-2ed3-41fd-8d0b-c7c0c9e1f8f5"/>
-    <ds:schemaRef ds:uri="http://schemas.openxmlformats.org/package/2006/metadata/core-properties"/>
-    <ds:schemaRef ds:uri="http://schemas.microsoft.com/office/2006/documentManagement/types"/>
-    <ds:schemaRef ds:uri="http://schemas.microsoft.com/office/infopath/2007/PartnerControls"/>
-    <ds:schemaRef ds:uri="http://schemas.microsoft.com/office/2006/metadata/properties"/>
-  </ds:schemaRefs>
-</ds:datastoreItem>
-</file>
-
 <file path=customXml/itemProps3.xml><?xml version="1.0" encoding="utf-8"?>
 <ds:datastoreItem xmlns:ds="http://schemas.openxmlformats.org/officeDocument/2006/customXml" ds:itemID="{ABFB7C19-F97A-4630-909C-04462F044E44}">
   <ds:schemaRefs>
